--- a/lecture_1_history.pptx
+++ b/lecture_1_history.pptx
@@ -226,7 +226,7 @@
           <a:p>
             <a:fld id="{3FDC14FC-A894-4869-A797-1EC82735D106}" type="datetimeFigureOut">
               <a:rPr lang="en-US" smtClean="0"/>
-              <a:t>7/31/2020</a:t>
+              <a:t>8/3/2020</a:t>
             </a:fld>
             <a:endParaRPr lang="en-US"/>
           </a:p>
@@ -391,7 +391,7 @@
           <a:p>
             <a:fld id="{B4F99C05-63F9-4248-8E20-3ACD9DF9DE7F}" type="datetimeFigureOut">
               <a:rPr lang="en-US" smtClean="0"/>
-              <a:t>7/31/2020</a:t>
+              <a:t>8/3/2020</a:t>
             </a:fld>
             <a:endParaRPr lang="en-US"/>
           </a:p>
@@ -9511,7 +9511,7 @@
           </a:ln>
           <a:extLst>
             <a:ext uri="{C572A759-6A51-4108-AA02-DFA0A04FC94B}">
-              <ma14:wrappingTextBoxFlag xmlns="" xmlns:ma14="http://schemas.microsoft.com/office/mac/drawingml/2011/main" val="1"/>
+              <ma14:wrappingTextBoxFlag xmlns:ma14="http://schemas.microsoft.com/office/mac/drawingml/2011/main" xmlns="" val="1"/>
             </a:ext>
           </a:extLst>
         </p:spPr>
@@ -24552,6 +24552,473 @@
   <p:clrMapOvr>
     <a:masterClrMapping/>
   </p:clrMapOvr>
+  <p:timing>
+    <p:tnLst>
+      <p:par>
+        <p:cTn id="1" dur="indefinite" restart="never" nodeType="tmRoot">
+          <p:childTnLst>
+            <p:seq concurrent="1" nextAc="seek">
+              <p:cTn id="2" dur="indefinite" nodeType="mainSeq">
+                <p:childTnLst>
+                  <p:par>
+                    <p:cTn id="3" fill="hold">
+                      <p:stCondLst>
+                        <p:cond delay="indefinite"/>
+                      </p:stCondLst>
+                      <p:childTnLst>
+                        <p:par>
+                          <p:cTn id="4" fill="hold">
+                            <p:stCondLst>
+                              <p:cond delay="0"/>
+                            </p:stCondLst>
+                            <p:childTnLst>
+                              <p:par>
+                                <p:cTn id="5" presetID="10" presetClass="entr" presetSubtype="0" fill="hold" nodeType="clickEffect">
+                                  <p:stCondLst>
+                                    <p:cond delay="0"/>
+                                  </p:stCondLst>
+                                  <p:childTnLst>
+                                    <p:set>
+                                      <p:cBhvr>
+                                        <p:cTn id="6" dur="1" fill="hold">
+                                          <p:stCondLst>
+                                            <p:cond delay="0"/>
+                                          </p:stCondLst>
+                                        </p:cTn>
+                                        <p:tgtEl>
+                                          <p:spTgt spid="2"/>
+                                        </p:tgtEl>
+                                        <p:attrNameLst>
+                                          <p:attrName>style.visibility</p:attrName>
+                                        </p:attrNameLst>
+                                      </p:cBhvr>
+                                      <p:to>
+                                        <p:strVal val="visible"/>
+                                      </p:to>
+                                    </p:set>
+                                    <p:animEffect transition="in" filter="fade">
+                                      <p:cBhvr>
+                                        <p:cTn id="7" dur="500"/>
+                                        <p:tgtEl>
+                                          <p:spTgt spid="2"/>
+                                        </p:tgtEl>
+                                      </p:cBhvr>
+                                    </p:animEffect>
+                                  </p:childTnLst>
+                                </p:cTn>
+                              </p:par>
+                            </p:childTnLst>
+                          </p:cTn>
+                        </p:par>
+                      </p:childTnLst>
+                    </p:cTn>
+                  </p:par>
+                  <p:par>
+                    <p:cTn id="8" fill="hold">
+                      <p:stCondLst>
+                        <p:cond delay="indefinite"/>
+                      </p:stCondLst>
+                      <p:childTnLst>
+                        <p:par>
+                          <p:cTn id="9" fill="hold">
+                            <p:stCondLst>
+                              <p:cond delay="0"/>
+                            </p:stCondLst>
+                            <p:childTnLst>
+                              <p:par>
+                                <p:cTn id="10" presetID="10" presetClass="entr" presetSubtype="0" fill="hold" nodeType="clickEffect">
+                                  <p:stCondLst>
+                                    <p:cond delay="0"/>
+                                  </p:stCondLst>
+                                  <p:childTnLst>
+                                    <p:set>
+                                      <p:cBhvr>
+                                        <p:cTn id="11" dur="1" fill="hold">
+                                          <p:stCondLst>
+                                            <p:cond delay="0"/>
+                                          </p:stCondLst>
+                                        </p:cTn>
+                                        <p:tgtEl>
+                                          <p:spTgt spid="6"/>
+                                        </p:tgtEl>
+                                        <p:attrNameLst>
+                                          <p:attrName>style.visibility</p:attrName>
+                                        </p:attrNameLst>
+                                      </p:cBhvr>
+                                      <p:to>
+                                        <p:strVal val="visible"/>
+                                      </p:to>
+                                    </p:set>
+                                    <p:animEffect transition="in" filter="fade">
+                                      <p:cBhvr>
+                                        <p:cTn id="12" dur="500"/>
+                                        <p:tgtEl>
+                                          <p:spTgt spid="6"/>
+                                        </p:tgtEl>
+                                      </p:cBhvr>
+                                    </p:animEffect>
+                                  </p:childTnLst>
+                                </p:cTn>
+                              </p:par>
+                            </p:childTnLst>
+                          </p:cTn>
+                        </p:par>
+                      </p:childTnLst>
+                    </p:cTn>
+                  </p:par>
+                  <p:par>
+                    <p:cTn id="13" fill="hold">
+                      <p:stCondLst>
+                        <p:cond delay="indefinite"/>
+                      </p:stCondLst>
+                      <p:childTnLst>
+                        <p:par>
+                          <p:cTn id="14" fill="hold">
+                            <p:stCondLst>
+                              <p:cond delay="0"/>
+                            </p:stCondLst>
+                            <p:childTnLst>
+                              <p:par>
+                                <p:cTn id="15" presetID="22" presetClass="entr" presetSubtype="8" fill="hold" grpId="0" nodeType="clickEffect">
+                                  <p:stCondLst>
+                                    <p:cond delay="0"/>
+                                  </p:stCondLst>
+                                  <p:childTnLst>
+                                    <p:set>
+                                      <p:cBhvr>
+                                        <p:cTn id="16" dur="1" fill="hold">
+                                          <p:stCondLst>
+                                            <p:cond delay="0"/>
+                                          </p:stCondLst>
+                                        </p:cTn>
+                                        <p:tgtEl>
+                                          <p:spTgt spid="3"/>
+                                        </p:tgtEl>
+                                        <p:attrNameLst>
+                                          <p:attrName>style.visibility</p:attrName>
+                                        </p:attrNameLst>
+                                      </p:cBhvr>
+                                      <p:to>
+                                        <p:strVal val="visible"/>
+                                      </p:to>
+                                    </p:set>
+                                    <p:animEffect transition="in" filter="wipe(left)">
+                                      <p:cBhvr>
+                                        <p:cTn id="17" dur="500"/>
+                                        <p:tgtEl>
+                                          <p:spTgt spid="3"/>
+                                        </p:tgtEl>
+                                      </p:cBhvr>
+                                    </p:animEffect>
+                                  </p:childTnLst>
+                                </p:cTn>
+                              </p:par>
+                            </p:childTnLst>
+                          </p:cTn>
+                        </p:par>
+                      </p:childTnLst>
+                    </p:cTn>
+                  </p:par>
+                  <p:par>
+                    <p:cTn id="18" fill="hold">
+                      <p:stCondLst>
+                        <p:cond delay="indefinite"/>
+                      </p:stCondLst>
+                      <p:childTnLst>
+                        <p:par>
+                          <p:cTn id="19" fill="hold">
+                            <p:stCondLst>
+                              <p:cond delay="0"/>
+                            </p:stCondLst>
+                            <p:childTnLst>
+                              <p:par>
+                                <p:cTn id="20" presetID="1" presetClass="entr" presetSubtype="0" fill="hold" grpId="0" nodeType="clickEffect">
+                                  <p:stCondLst>
+                                    <p:cond delay="0"/>
+                                  </p:stCondLst>
+                                  <p:childTnLst>
+                                    <p:set>
+                                      <p:cBhvr>
+                                        <p:cTn id="21" dur="1" fill="hold">
+                                          <p:stCondLst>
+                                            <p:cond delay="0"/>
+                                          </p:stCondLst>
+                                        </p:cTn>
+                                        <p:tgtEl>
+                                          <p:spTgt spid="40"/>
+                                        </p:tgtEl>
+                                        <p:attrNameLst>
+                                          <p:attrName>style.visibility</p:attrName>
+                                        </p:attrNameLst>
+                                      </p:cBhvr>
+                                      <p:to>
+                                        <p:strVal val="visible"/>
+                                      </p:to>
+                                    </p:set>
+                                  </p:childTnLst>
+                                </p:cTn>
+                              </p:par>
+                            </p:childTnLst>
+                          </p:cTn>
+                        </p:par>
+                        <p:par>
+                          <p:cTn id="22" fill="hold">
+                            <p:stCondLst>
+                              <p:cond delay="0"/>
+                            </p:stCondLst>
+                            <p:childTnLst>
+                              <p:par>
+                                <p:cTn id="23" presetID="1" presetClass="entr" presetSubtype="0" fill="hold" grpId="0" nodeType="afterEffect">
+                                  <p:stCondLst>
+                                    <p:cond delay="200"/>
+                                  </p:stCondLst>
+                                  <p:childTnLst>
+                                    <p:set>
+                                      <p:cBhvr>
+                                        <p:cTn id="24" dur="1" fill="hold">
+                                          <p:stCondLst>
+                                            <p:cond delay="0"/>
+                                          </p:stCondLst>
+                                        </p:cTn>
+                                        <p:tgtEl>
+                                          <p:spTgt spid="36"/>
+                                        </p:tgtEl>
+                                        <p:attrNameLst>
+                                          <p:attrName>style.visibility</p:attrName>
+                                        </p:attrNameLst>
+                                      </p:cBhvr>
+                                      <p:to>
+                                        <p:strVal val="visible"/>
+                                      </p:to>
+                                    </p:set>
+                                  </p:childTnLst>
+                                </p:cTn>
+                              </p:par>
+                            </p:childTnLst>
+                          </p:cTn>
+                        </p:par>
+                        <p:par>
+                          <p:cTn id="25" fill="hold">
+                            <p:stCondLst>
+                              <p:cond delay="200"/>
+                            </p:stCondLst>
+                            <p:childTnLst>
+                              <p:par>
+                                <p:cTn id="26" presetID="1" presetClass="entr" presetSubtype="0" fill="hold" grpId="0" nodeType="afterEffect">
+                                  <p:stCondLst>
+                                    <p:cond delay="700"/>
+                                  </p:stCondLst>
+                                  <p:childTnLst>
+                                    <p:set>
+                                      <p:cBhvr>
+                                        <p:cTn id="27" dur="1" fill="hold">
+                                          <p:stCondLst>
+                                            <p:cond delay="0"/>
+                                          </p:stCondLst>
+                                        </p:cTn>
+                                        <p:tgtEl>
+                                          <p:spTgt spid="38"/>
+                                        </p:tgtEl>
+                                        <p:attrNameLst>
+                                          <p:attrName>style.visibility</p:attrName>
+                                        </p:attrNameLst>
+                                      </p:cBhvr>
+                                      <p:to>
+                                        <p:strVal val="visible"/>
+                                      </p:to>
+                                    </p:set>
+                                  </p:childTnLst>
+                                </p:cTn>
+                              </p:par>
+                            </p:childTnLst>
+                          </p:cTn>
+                        </p:par>
+                        <p:par>
+                          <p:cTn id="28" fill="hold">
+                            <p:stCondLst>
+                              <p:cond delay="900"/>
+                            </p:stCondLst>
+                            <p:childTnLst>
+                              <p:par>
+                                <p:cTn id="29" presetID="1" presetClass="entr" presetSubtype="0" fill="hold" grpId="0" nodeType="afterEffect">
+                                  <p:stCondLst>
+                                    <p:cond delay="600"/>
+                                  </p:stCondLst>
+                                  <p:childTnLst>
+                                    <p:set>
+                                      <p:cBhvr>
+                                        <p:cTn id="30" dur="1" fill="hold">
+                                          <p:stCondLst>
+                                            <p:cond delay="0"/>
+                                          </p:stCondLst>
+                                        </p:cTn>
+                                        <p:tgtEl>
+                                          <p:spTgt spid="39"/>
+                                        </p:tgtEl>
+                                        <p:attrNameLst>
+                                          <p:attrName>style.visibility</p:attrName>
+                                        </p:attrNameLst>
+                                      </p:cBhvr>
+                                      <p:to>
+                                        <p:strVal val="visible"/>
+                                      </p:to>
+                                    </p:set>
+                                  </p:childTnLst>
+                                </p:cTn>
+                              </p:par>
+                            </p:childTnLst>
+                          </p:cTn>
+                        </p:par>
+                        <p:par>
+                          <p:cTn id="31" fill="hold">
+                            <p:stCondLst>
+                              <p:cond delay="1500"/>
+                            </p:stCondLst>
+                            <p:childTnLst>
+                              <p:par>
+                                <p:cTn id="32" presetID="1" presetClass="entr" presetSubtype="0" fill="hold" grpId="0" nodeType="afterEffect">
+                                  <p:stCondLst>
+                                    <p:cond delay="400"/>
+                                  </p:stCondLst>
+                                  <p:childTnLst>
+                                    <p:set>
+                                      <p:cBhvr>
+                                        <p:cTn id="33" dur="1" fill="hold">
+                                          <p:stCondLst>
+                                            <p:cond delay="0"/>
+                                          </p:stCondLst>
+                                        </p:cTn>
+                                        <p:tgtEl>
+                                          <p:spTgt spid="37"/>
+                                        </p:tgtEl>
+                                        <p:attrNameLst>
+                                          <p:attrName>style.visibility</p:attrName>
+                                        </p:attrNameLst>
+                                      </p:cBhvr>
+                                      <p:to>
+                                        <p:strVal val="visible"/>
+                                      </p:to>
+                                    </p:set>
+                                  </p:childTnLst>
+                                </p:cTn>
+                              </p:par>
+                              <p:par>
+                                <p:cTn id="34" presetID="1" presetClass="entr" presetSubtype="0" fill="hold" nodeType="withEffect">
+                                  <p:stCondLst>
+                                    <p:cond delay="400"/>
+                                  </p:stCondLst>
+                                  <p:childTnLst>
+                                    <p:set>
+                                      <p:cBhvr>
+                                        <p:cTn id="35" dur="1" fill="hold">
+                                          <p:stCondLst>
+                                            <p:cond delay="0"/>
+                                          </p:stCondLst>
+                                        </p:cTn>
+                                        <p:tgtEl>
+                                          <p:spTgt spid="42"/>
+                                        </p:tgtEl>
+                                        <p:attrNameLst>
+                                          <p:attrName>style.visibility</p:attrName>
+                                        </p:attrNameLst>
+                                      </p:cBhvr>
+                                      <p:to>
+                                        <p:strVal val="visible"/>
+                                      </p:to>
+                                    </p:set>
+                                  </p:childTnLst>
+                                </p:cTn>
+                              </p:par>
+                            </p:childTnLst>
+                          </p:cTn>
+                        </p:par>
+                      </p:childTnLst>
+                    </p:cTn>
+                  </p:par>
+                  <p:par>
+                    <p:cTn id="36" fill="hold">
+                      <p:stCondLst>
+                        <p:cond delay="indefinite"/>
+                      </p:stCondLst>
+                      <p:childTnLst>
+                        <p:par>
+                          <p:cTn id="37" fill="hold">
+                            <p:stCondLst>
+                              <p:cond delay="0"/>
+                            </p:stCondLst>
+                            <p:childTnLst>
+                              <p:par>
+                                <p:cTn id="38" presetID="10" presetClass="entr" presetSubtype="0" fill="hold" grpId="0" nodeType="clickEffect">
+                                  <p:stCondLst>
+                                    <p:cond delay="0"/>
+                                  </p:stCondLst>
+                                  <p:childTnLst>
+                                    <p:set>
+                                      <p:cBhvr>
+                                        <p:cTn id="39" dur="1" fill="hold">
+                                          <p:stCondLst>
+                                            <p:cond delay="0"/>
+                                          </p:stCondLst>
+                                        </p:cTn>
+                                        <p:tgtEl>
+                                          <p:spTgt spid="4"/>
+                                        </p:tgtEl>
+                                        <p:attrNameLst>
+                                          <p:attrName>style.visibility</p:attrName>
+                                        </p:attrNameLst>
+                                      </p:cBhvr>
+                                      <p:to>
+                                        <p:strVal val="visible"/>
+                                      </p:to>
+                                    </p:set>
+                                    <p:animEffect transition="in" filter="fade">
+                                      <p:cBhvr>
+                                        <p:cTn id="40" dur="500"/>
+                                        <p:tgtEl>
+                                          <p:spTgt spid="4"/>
+                                        </p:tgtEl>
+                                      </p:cBhvr>
+                                    </p:animEffect>
+                                  </p:childTnLst>
+                                </p:cTn>
+                              </p:par>
+                            </p:childTnLst>
+                          </p:cTn>
+                        </p:par>
+                      </p:childTnLst>
+                    </p:cTn>
+                  </p:par>
+                </p:childTnLst>
+              </p:cTn>
+              <p:prevCondLst>
+                <p:cond evt="onPrev" delay="0">
+                  <p:tgtEl>
+                    <p:sldTgt/>
+                  </p:tgtEl>
+                </p:cond>
+              </p:prevCondLst>
+              <p:nextCondLst>
+                <p:cond evt="onNext" delay="0">
+                  <p:tgtEl>
+                    <p:sldTgt/>
+                  </p:tgtEl>
+                </p:cond>
+              </p:nextCondLst>
+            </p:seq>
+          </p:childTnLst>
+        </p:cTn>
+      </p:par>
+    </p:tnLst>
+    <p:bldLst>
+      <p:bldP spid="3" grpId="0" animBg="1"/>
+      <p:bldP spid="4" grpId="0"/>
+      <p:bldP spid="36" grpId="0"/>
+      <p:bldP spid="37" grpId="0"/>
+      <p:bldP spid="38" grpId="0"/>
+      <p:bldP spid="39" grpId="0"/>
+      <p:bldP spid="40" grpId="0"/>
+    </p:bldLst>
+  </p:timing>
 </p:sld>
 </file>
 
@@ -24784,6 +25251,92 @@
   <p:clrMapOvr>
     <a:masterClrMapping/>
   </p:clrMapOvr>
+  <p:timing>
+    <p:tnLst>
+      <p:par>
+        <p:cTn id="1" dur="indefinite" restart="never" nodeType="tmRoot">
+          <p:childTnLst>
+            <p:seq concurrent="1" nextAc="seek">
+              <p:cTn id="2" dur="indefinite" nodeType="mainSeq">
+                <p:childTnLst>
+                  <p:par>
+                    <p:cTn id="3" fill="hold">
+                      <p:stCondLst>
+                        <p:cond delay="indefinite"/>
+                      </p:stCondLst>
+                      <p:childTnLst>
+                        <p:par>
+                          <p:cTn id="4" fill="hold">
+                            <p:stCondLst>
+                              <p:cond delay="0"/>
+                            </p:stCondLst>
+                            <p:childTnLst>
+                              <p:par>
+                                <p:cTn id="5" presetID="22" presetClass="entr" presetSubtype="8" fill="hold" grpId="0" nodeType="clickEffect">
+                                  <p:stCondLst>
+                                    <p:cond delay="0"/>
+                                  </p:stCondLst>
+                                  <p:childTnLst>
+                                    <p:set>
+                                      <p:cBhvr>
+                                        <p:cTn id="6" dur="1" fill="hold">
+                                          <p:stCondLst>
+                                            <p:cond delay="0"/>
+                                          </p:stCondLst>
+                                        </p:cTn>
+                                        <p:tgtEl>
+                                          <p:spTgt spid="3"/>
+                                        </p:tgtEl>
+                                        <p:attrNameLst>
+                                          <p:attrName>style.visibility</p:attrName>
+                                        </p:attrNameLst>
+                                      </p:cBhvr>
+                                      <p:to>
+                                        <p:strVal val="visible"/>
+                                      </p:to>
+                                    </p:set>
+                                    <p:animEffect transition="in" filter="wipe(left)">
+                                      <p:cBhvr>
+                                        <p:cTn id="7" dur="500"/>
+                                        <p:tgtEl>
+                                          <p:spTgt spid="3"/>
+                                        </p:tgtEl>
+                                      </p:cBhvr>
+                                    </p:animEffect>
+                                  </p:childTnLst>
+                                </p:cTn>
+                              </p:par>
+                            </p:childTnLst>
+                          </p:cTn>
+                        </p:par>
+                      </p:childTnLst>
+                    </p:cTn>
+                  </p:par>
+                </p:childTnLst>
+              </p:cTn>
+              <p:prevCondLst>
+                <p:cond evt="onPrev" delay="0">
+                  <p:tgtEl>
+                    <p:sldTgt/>
+                  </p:tgtEl>
+                </p:cond>
+              </p:prevCondLst>
+              <p:nextCondLst>
+                <p:cond evt="onNext" delay="0">
+                  <p:tgtEl>
+                    <p:sldTgt/>
+                  </p:tgtEl>
+                </p:cond>
+              </p:nextCondLst>
+            </p:seq>
+          </p:childTnLst>
+        </p:cTn>
+      </p:par>
+    </p:tnLst>
+    <p:bldLst>
+      <p:bldP spid="3" grpId="0" animBg="1"/>
+    </p:bldLst>
+  </p:timing>
 </p:sld>
 </file>
 
@@ -25915,6 +26468,568 @@
   <p:clrMapOvr>
     <a:masterClrMapping/>
   </p:clrMapOvr>
+  <p:timing>
+    <p:tnLst>
+      <p:par>
+        <p:cTn id="1" dur="indefinite" restart="never" nodeType="tmRoot">
+          <p:childTnLst>
+            <p:seq concurrent="1" nextAc="seek">
+              <p:cTn id="2" dur="indefinite" nodeType="mainSeq">
+                <p:childTnLst>
+                  <p:par>
+                    <p:cTn id="3" fill="hold">
+                      <p:stCondLst>
+                        <p:cond delay="indefinite"/>
+                      </p:stCondLst>
+                      <p:childTnLst>
+                        <p:par>
+                          <p:cTn id="4" fill="hold">
+                            <p:stCondLst>
+                              <p:cond delay="0"/>
+                            </p:stCondLst>
+                            <p:childTnLst>
+                              <p:par>
+                                <p:cTn id="5" presetID="10" presetClass="entr" presetSubtype="0" fill="hold" nodeType="clickEffect">
+                                  <p:stCondLst>
+                                    <p:cond delay="0"/>
+                                  </p:stCondLst>
+                                  <p:childTnLst>
+                                    <p:set>
+                                      <p:cBhvr>
+                                        <p:cTn id="6" dur="1" fill="hold">
+                                          <p:stCondLst>
+                                            <p:cond delay="0"/>
+                                          </p:stCondLst>
+                                        </p:cTn>
+                                        <p:tgtEl>
+                                          <p:spTgt spid="9"/>
+                                        </p:tgtEl>
+                                        <p:attrNameLst>
+                                          <p:attrName>style.visibility</p:attrName>
+                                        </p:attrNameLst>
+                                      </p:cBhvr>
+                                      <p:to>
+                                        <p:strVal val="visible"/>
+                                      </p:to>
+                                    </p:set>
+                                    <p:animEffect transition="in" filter="fade">
+                                      <p:cBhvr>
+                                        <p:cTn id="7" dur="500"/>
+                                        <p:tgtEl>
+                                          <p:spTgt spid="9"/>
+                                        </p:tgtEl>
+                                      </p:cBhvr>
+                                    </p:animEffect>
+                                  </p:childTnLst>
+                                </p:cTn>
+                              </p:par>
+                              <p:par>
+                                <p:cTn id="8" presetID="10" presetClass="entr" presetSubtype="0" fill="hold" grpId="0" nodeType="withEffect">
+                                  <p:stCondLst>
+                                    <p:cond delay="0"/>
+                                  </p:stCondLst>
+                                  <p:childTnLst>
+                                    <p:set>
+                                      <p:cBhvr>
+                                        <p:cTn id="9" dur="1" fill="hold">
+                                          <p:stCondLst>
+                                            <p:cond delay="0"/>
+                                          </p:stCondLst>
+                                        </p:cTn>
+                                        <p:tgtEl>
+                                          <p:spTgt spid="5"/>
+                                        </p:tgtEl>
+                                        <p:attrNameLst>
+                                          <p:attrName>style.visibility</p:attrName>
+                                        </p:attrNameLst>
+                                      </p:cBhvr>
+                                      <p:to>
+                                        <p:strVal val="visible"/>
+                                      </p:to>
+                                    </p:set>
+                                    <p:animEffect transition="in" filter="fade">
+                                      <p:cBhvr>
+                                        <p:cTn id="10" dur="500"/>
+                                        <p:tgtEl>
+                                          <p:spTgt spid="5"/>
+                                        </p:tgtEl>
+                                      </p:cBhvr>
+                                    </p:animEffect>
+                                  </p:childTnLst>
+                                </p:cTn>
+                              </p:par>
+                              <p:par>
+                                <p:cTn id="11" presetID="10" presetClass="entr" presetSubtype="0" fill="hold" nodeType="withEffect">
+                                  <p:stCondLst>
+                                    <p:cond delay="0"/>
+                                  </p:stCondLst>
+                                  <p:childTnLst>
+                                    <p:set>
+                                      <p:cBhvr>
+                                        <p:cTn id="12" dur="1" fill="hold">
+                                          <p:stCondLst>
+                                            <p:cond delay="0"/>
+                                          </p:stCondLst>
+                                        </p:cTn>
+                                        <p:tgtEl>
+                                          <p:spTgt spid="21"/>
+                                        </p:tgtEl>
+                                        <p:attrNameLst>
+                                          <p:attrName>style.visibility</p:attrName>
+                                        </p:attrNameLst>
+                                      </p:cBhvr>
+                                      <p:to>
+                                        <p:strVal val="visible"/>
+                                      </p:to>
+                                    </p:set>
+                                    <p:animEffect transition="in" filter="fade">
+                                      <p:cBhvr>
+                                        <p:cTn id="13" dur="500"/>
+                                        <p:tgtEl>
+                                          <p:spTgt spid="21"/>
+                                        </p:tgtEl>
+                                      </p:cBhvr>
+                                    </p:animEffect>
+                                  </p:childTnLst>
+                                </p:cTn>
+                              </p:par>
+                            </p:childTnLst>
+                          </p:cTn>
+                        </p:par>
+                      </p:childTnLst>
+                    </p:cTn>
+                  </p:par>
+                  <p:par>
+                    <p:cTn id="14" fill="hold">
+                      <p:stCondLst>
+                        <p:cond delay="indefinite"/>
+                      </p:stCondLst>
+                      <p:childTnLst>
+                        <p:par>
+                          <p:cTn id="15" fill="hold">
+                            <p:stCondLst>
+                              <p:cond delay="0"/>
+                            </p:stCondLst>
+                            <p:childTnLst>
+                              <p:par>
+                                <p:cTn id="16" presetID="10" presetClass="entr" presetSubtype="0" fill="hold" grpId="0" nodeType="clickEffect">
+                                  <p:stCondLst>
+                                    <p:cond delay="0"/>
+                                  </p:stCondLst>
+                                  <p:childTnLst>
+                                    <p:set>
+                                      <p:cBhvr>
+                                        <p:cTn id="17" dur="1" fill="hold">
+                                          <p:stCondLst>
+                                            <p:cond delay="0"/>
+                                          </p:stCondLst>
+                                        </p:cTn>
+                                        <p:tgtEl>
+                                          <p:spTgt spid="11"/>
+                                        </p:tgtEl>
+                                        <p:attrNameLst>
+                                          <p:attrName>style.visibility</p:attrName>
+                                        </p:attrNameLst>
+                                      </p:cBhvr>
+                                      <p:to>
+                                        <p:strVal val="visible"/>
+                                      </p:to>
+                                    </p:set>
+                                    <p:animEffect transition="in" filter="fade">
+                                      <p:cBhvr>
+                                        <p:cTn id="18" dur="500"/>
+                                        <p:tgtEl>
+                                          <p:spTgt spid="11"/>
+                                        </p:tgtEl>
+                                      </p:cBhvr>
+                                    </p:animEffect>
+                                  </p:childTnLst>
+                                </p:cTn>
+                              </p:par>
+                              <p:par>
+                                <p:cTn id="19" presetID="10" presetClass="entr" presetSubtype="0" fill="hold" nodeType="withEffect">
+                                  <p:stCondLst>
+                                    <p:cond delay="0"/>
+                                  </p:stCondLst>
+                                  <p:childTnLst>
+                                    <p:set>
+                                      <p:cBhvr>
+                                        <p:cTn id="20" dur="1" fill="hold">
+                                          <p:stCondLst>
+                                            <p:cond delay="0"/>
+                                          </p:stCondLst>
+                                        </p:cTn>
+                                        <p:tgtEl>
+                                          <p:spTgt spid="14"/>
+                                        </p:tgtEl>
+                                        <p:attrNameLst>
+                                          <p:attrName>style.visibility</p:attrName>
+                                        </p:attrNameLst>
+                                      </p:cBhvr>
+                                      <p:to>
+                                        <p:strVal val="visible"/>
+                                      </p:to>
+                                    </p:set>
+                                    <p:animEffect transition="in" filter="fade">
+                                      <p:cBhvr>
+                                        <p:cTn id="21" dur="500"/>
+                                        <p:tgtEl>
+                                          <p:spTgt spid="14"/>
+                                        </p:tgtEl>
+                                      </p:cBhvr>
+                                    </p:animEffect>
+                                  </p:childTnLst>
+                                </p:cTn>
+                              </p:par>
+                              <p:par>
+                                <p:cTn id="22" presetID="10" presetClass="entr" presetSubtype="0" fill="hold" nodeType="withEffect">
+                                  <p:stCondLst>
+                                    <p:cond delay="0"/>
+                                  </p:stCondLst>
+                                  <p:childTnLst>
+                                    <p:set>
+                                      <p:cBhvr>
+                                        <p:cTn id="23" dur="1" fill="hold">
+                                          <p:stCondLst>
+                                            <p:cond delay="0"/>
+                                          </p:stCondLst>
+                                        </p:cTn>
+                                        <p:tgtEl>
+                                          <p:spTgt spid="37"/>
+                                        </p:tgtEl>
+                                        <p:attrNameLst>
+                                          <p:attrName>style.visibility</p:attrName>
+                                        </p:attrNameLst>
+                                      </p:cBhvr>
+                                      <p:to>
+                                        <p:strVal val="visible"/>
+                                      </p:to>
+                                    </p:set>
+                                    <p:animEffect transition="in" filter="fade">
+                                      <p:cBhvr>
+                                        <p:cTn id="24" dur="500"/>
+                                        <p:tgtEl>
+                                          <p:spTgt spid="37"/>
+                                        </p:tgtEl>
+                                      </p:cBhvr>
+                                    </p:animEffect>
+                                  </p:childTnLst>
+                                </p:cTn>
+                              </p:par>
+                            </p:childTnLst>
+                          </p:cTn>
+                        </p:par>
+                      </p:childTnLst>
+                    </p:cTn>
+                  </p:par>
+                  <p:par>
+                    <p:cTn id="25" fill="hold">
+                      <p:stCondLst>
+                        <p:cond delay="indefinite"/>
+                      </p:stCondLst>
+                      <p:childTnLst>
+                        <p:par>
+                          <p:cTn id="26" fill="hold">
+                            <p:stCondLst>
+                              <p:cond delay="0"/>
+                            </p:stCondLst>
+                            <p:childTnLst>
+                              <p:par>
+                                <p:cTn id="27" presetID="10" presetClass="entr" presetSubtype="0" fill="hold" grpId="0" nodeType="clickEffect">
+                                  <p:stCondLst>
+                                    <p:cond delay="0"/>
+                                  </p:stCondLst>
+                                  <p:childTnLst>
+                                    <p:set>
+                                      <p:cBhvr>
+                                        <p:cTn id="28" dur="1" fill="hold">
+                                          <p:stCondLst>
+                                            <p:cond delay="0"/>
+                                          </p:stCondLst>
+                                        </p:cTn>
+                                        <p:tgtEl>
+                                          <p:spTgt spid="17"/>
+                                        </p:tgtEl>
+                                        <p:attrNameLst>
+                                          <p:attrName>style.visibility</p:attrName>
+                                        </p:attrNameLst>
+                                      </p:cBhvr>
+                                      <p:to>
+                                        <p:strVal val="visible"/>
+                                      </p:to>
+                                    </p:set>
+                                    <p:animEffect transition="in" filter="fade">
+                                      <p:cBhvr>
+                                        <p:cTn id="29" dur="500"/>
+                                        <p:tgtEl>
+                                          <p:spTgt spid="17"/>
+                                        </p:tgtEl>
+                                      </p:cBhvr>
+                                    </p:animEffect>
+                                  </p:childTnLst>
+                                </p:cTn>
+                              </p:par>
+                              <p:par>
+                                <p:cTn id="30" presetID="10" presetClass="entr" presetSubtype="0" fill="hold" nodeType="withEffect">
+                                  <p:stCondLst>
+                                    <p:cond delay="0"/>
+                                  </p:stCondLst>
+                                  <p:childTnLst>
+                                    <p:set>
+                                      <p:cBhvr>
+                                        <p:cTn id="31" dur="1" fill="hold">
+                                          <p:stCondLst>
+                                            <p:cond delay="0"/>
+                                          </p:stCondLst>
+                                        </p:cTn>
+                                        <p:tgtEl>
+                                          <p:spTgt spid="27"/>
+                                        </p:tgtEl>
+                                        <p:attrNameLst>
+                                          <p:attrName>style.visibility</p:attrName>
+                                        </p:attrNameLst>
+                                      </p:cBhvr>
+                                      <p:to>
+                                        <p:strVal val="visible"/>
+                                      </p:to>
+                                    </p:set>
+                                    <p:animEffect transition="in" filter="fade">
+                                      <p:cBhvr>
+                                        <p:cTn id="32" dur="500"/>
+                                        <p:tgtEl>
+                                          <p:spTgt spid="27"/>
+                                        </p:tgtEl>
+                                      </p:cBhvr>
+                                    </p:animEffect>
+                                  </p:childTnLst>
+                                </p:cTn>
+                              </p:par>
+                              <p:par>
+                                <p:cTn id="33" presetID="10" presetClass="entr" presetSubtype="0" fill="hold" nodeType="withEffect">
+                                  <p:stCondLst>
+                                    <p:cond delay="0"/>
+                                  </p:stCondLst>
+                                  <p:childTnLst>
+                                    <p:set>
+                                      <p:cBhvr>
+                                        <p:cTn id="34" dur="1" fill="hold">
+                                          <p:stCondLst>
+                                            <p:cond delay="0"/>
+                                          </p:stCondLst>
+                                        </p:cTn>
+                                        <p:tgtEl>
+                                          <p:spTgt spid="24"/>
+                                        </p:tgtEl>
+                                        <p:attrNameLst>
+                                          <p:attrName>style.visibility</p:attrName>
+                                        </p:attrNameLst>
+                                      </p:cBhvr>
+                                      <p:to>
+                                        <p:strVal val="visible"/>
+                                      </p:to>
+                                    </p:set>
+                                    <p:animEffect transition="in" filter="fade">
+                                      <p:cBhvr>
+                                        <p:cTn id="35" dur="500"/>
+                                        <p:tgtEl>
+                                          <p:spTgt spid="24"/>
+                                        </p:tgtEl>
+                                      </p:cBhvr>
+                                    </p:animEffect>
+                                  </p:childTnLst>
+                                </p:cTn>
+                              </p:par>
+                              <p:par>
+                                <p:cTn id="36" presetID="10" presetClass="entr" presetSubtype="0" fill="hold" nodeType="withEffect">
+                                  <p:stCondLst>
+                                    <p:cond delay="0"/>
+                                  </p:stCondLst>
+                                  <p:childTnLst>
+                                    <p:set>
+                                      <p:cBhvr>
+                                        <p:cTn id="37" dur="1" fill="hold">
+                                          <p:stCondLst>
+                                            <p:cond delay="0"/>
+                                          </p:stCondLst>
+                                        </p:cTn>
+                                        <p:tgtEl>
+                                          <p:spTgt spid="30"/>
+                                        </p:tgtEl>
+                                        <p:attrNameLst>
+                                          <p:attrName>style.visibility</p:attrName>
+                                        </p:attrNameLst>
+                                      </p:cBhvr>
+                                      <p:to>
+                                        <p:strVal val="visible"/>
+                                      </p:to>
+                                    </p:set>
+                                    <p:animEffect transition="in" filter="fade">
+                                      <p:cBhvr>
+                                        <p:cTn id="38" dur="500"/>
+                                        <p:tgtEl>
+                                          <p:spTgt spid="30"/>
+                                        </p:tgtEl>
+                                      </p:cBhvr>
+                                    </p:animEffect>
+                                  </p:childTnLst>
+                                </p:cTn>
+                              </p:par>
+                            </p:childTnLst>
+                          </p:cTn>
+                        </p:par>
+                      </p:childTnLst>
+                    </p:cTn>
+                  </p:par>
+                  <p:par>
+                    <p:cTn id="39" fill="hold">
+                      <p:stCondLst>
+                        <p:cond delay="indefinite"/>
+                      </p:stCondLst>
+                      <p:childTnLst>
+                        <p:par>
+                          <p:cTn id="40" fill="hold">
+                            <p:stCondLst>
+                              <p:cond delay="0"/>
+                            </p:stCondLst>
+                            <p:childTnLst>
+                              <p:par>
+                                <p:cTn id="41" presetID="22" presetClass="entr" presetSubtype="4" fill="hold" nodeType="clickEffect">
+                                  <p:stCondLst>
+                                    <p:cond delay="0"/>
+                                  </p:stCondLst>
+                                  <p:childTnLst>
+                                    <p:set>
+                                      <p:cBhvr>
+                                        <p:cTn id="42" dur="1" fill="hold">
+                                          <p:stCondLst>
+                                            <p:cond delay="0"/>
+                                          </p:stCondLst>
+                                        </p:cTn>
+                                        <p:tgtEl>
+                                          <p:spTgt spid="40"/>
+                                        </p:tgtEl>
+                                        <p:attrNameLst>
+                                          <p:attrName>style.visibility</p:attrName>
+                                        </p:attrNameLst>
+                                      </p:cBhvr>
+                                      <p:to>
+                                        <p:strVal val="visible"/>
+                                      </p:to>
+                                    </p:set>
+                                    <p:animEffect transition="in" filter="wipe(down)">
+                                      <p:cBhvr>
+                                        <p:cTn id="43" dur="500"/>
+                                        <p:tgtEl>
+                                          <p:spTgt spid="40"/>
+                                        </p:tgtEl>
+                                      </p:cBhvr>
+                                    </p:animEffect>
+                                  </p:childTnLst>
+                                </p:cTn>
+                              </p:par>
+                              <p:par>
+                                <p:cTn id="44" presetID="22" presetClass="entr" presetSubtype="4" fill="hold" nodeType="withEffect">
+                                  <p:stCondLst>
+                                    <p:cond delay="0"/>
+                                  </p:stCondLst>
+                                  <p:childTnLst>
+                                    <p:set>
+                                      <p:cBhvr>
+                                        <p:cTn id="45" dur="1" fill="hold">
+                                          <p:stCondLst>
+                                            <p:cond delay="0"/>
+                                          </p:stCondLst>
+                                        </p:cTn>
+                                        <p:tgtEl>
+                                          <p:spTgt spid="43"/>
+                                        </p:tgtEl>
+                                        <p:attrNameLst>
+                                          <p:attrName>style.visibility</p:attrName>
+                                        </p:attrNameLst>
+                                      </p:cBhvr>
+                                      <p:to>
+                                        <p:strVal val="visible"/>
+                                      </p:to>
+                                    </p:set>
+                                    <p:animEffect transition="in" filter="wipe(down)">
+                                      <p:cBhvr>
+                                        <p:cTn id="46" dur="500"/>
+                                        <p:tgtEl>
+                                          <p:spTgt spid="43"/>
+                                        </p:tgtEl>
+                                      </p:cBhvr>
+                                    </p:animEffect>
+                                  </p:childTnLst>
+                                </p:cTn>
+                              </p:par>
+                              <p:par>
+                                <p:cTn id="47" presetID="22" presetClass="entr" presetSubtype="4" fill="hold" nodeType="withEffect">
+                                  <p:stCondLst>
+                                    <p:cond delay="0"/>
+                                  </p:stCondLst>
+                                  <p:childTnLst>
+                                    <p:set>
+                                      <p:cBhvr>
+                                        <p:cTn id="48" dur="1" fill="hold">
+                                          <p:stCondLst>
+                                            <p:cond delay="0"/>
+                                          </p:stCondLst>
+                                        </p:cTn>
+                                        <p:tgtEl>
+                                          <p:spTgt spid="46"/>
+                                        </p:tgtEl>
+                                        <p:attrNameLst>
+                                          <p:attrName>style.visibility</p:attrName>
+                                        </p:attrNameLst>
+                                      </p:cBhvr>
+                                      <p:to>
+                                        <p:strVal val="visible"/>
+                                      </p:to>
+                                    </p:set>
+                                    <p:animEffect transition="in" filter="wipe(down)">
+                                      <p:cBhvr>
+                                        <p:cTn id="49" dur="500"/>
+                                        <p:tgtEl>
+                                          <p:spTgt spid="46"/>
+                                        </p:tgtEl>
+                                      </p:cBhvr>
+                                    </p:animEffect>
+                                  </p:childTnLst>
+                                </p:cTn>
+                              </p:par>
+                            </p:childTnLst>
+                          </p:cTn>
+                        </p:par>
+                      </p:childTnLst>
+                    </p:cTn>
+                  </p:par>
+                </p:childTnLst>
+              </p:cTn>
+              <p:prevCondLst>
+                <p:cond evt="onPrev" delay="0">
+                  <p:tgtEl>
+                    <p:sldTgt/>
+                  </p:tgtEl>
+                </p:cond>
+              </p:prevCondLst>
+              <p:nextCondLst>
+                <p:cond evt="onNext" delay="0">
+                  <p:tgtEl>
+                    <p:sldTgt/>
+                  </p:tgtEl>
+                </p:cond>
+              </p:nextCondLst>
+            </p:seq>
+          </p:childTnLst>
+        </p:cTn>
+      </p:par>
+    </p:tnLst>
+    <p:bldLst>
+      <p:bldP spid="5" grpId="0" animBg="1"/>
+      <p:bldP spid="11" grpId="0" animBg="1"/>
+      <p:bldP spid="17" grpId="0" animBg="1"/>
+    </p:bldLst>
+  </p:timing>
 </p:sld>
 </file>
 
@@ -27817,6 +28932,572 @@
   <p:clrMapOvr>
     <a:masterClrMapping/>
   </p:clrMapOvr>
+  <p:timing>
+    <p:tnLst>
+      <p:par>
+        <p:cTn id="1" dur="indefinite" restart="never" nodeType="tmRoot">
+          <p:childTnLst>
+            <p:seq concurrent="1" nextAc="seek">
+              <p:cTn id="2" dur="indefinite" nodeType="mainSeq">
+                <p:childTnLst>
+                  <p:par>
+                    <p:cTn id="3" fill="hold">
+                      <p:stCondLst>
+                        <p:cond delay="indefinite"/>
+                      </p:stCondLst>
+                      <p:childTnLst>
+                        <p:par>
+                          <p:cTn id="4" fill="hold">
+                            <p:stCondLst>
+                              <p:cond delay="0"/>
+                            </p:stCondLst>
+                            <p:childTnLst>
+                              <p:par>
+                                <p:cTn id="5" presetID="10" presetClass="entr" presetSubtype="0" fill="hold" grpId="0" nodeType="clickEffect">
+                                  <p:stCondLst>
+                                    <p:cond delay="0"/>
+                                  </p:stCondLst>
+                                  <p:childTnLst>
+                                    <p:set>
+                                      <p:cBhvr>
+                                        <p:cTn id="6" dur="1" fill="hold">
+                                          <p:stCondLst>
+                                            <p:cond delay="0"/>
+                                          </p:stCondLst>
+                                        </p:cTn>
+                                        <p:tgtEl>
+                                          <p:spTgt spid="9"/>
+                                        </p:tgtEl>
+                                        <p:attrNameLst>
+                                          <p:attrName>style.visibility</p:attrName>
+                                        </p:attrNameLst>
+                                      </p:cBhvr>
+                                      <p:to>
+                                        <p:strVal val="visible"/>
+                                      </p:to>
+                                    </p:set>
+                                    <p:animEffect transition="in" filter="fade">
+                                      <p:cBhvr>
+                                        <p:cTn id="7" dur="500"/>
+                                        <p:tgtEl>
+                                          <p:spTgt spid="9"/>
+                                        </p:tgtEl>
+                                      </p:cBhvr>
+                                    </p:animEffect>
+                                  </p:childTnLst>
+                                </p:cTn>
+                              </p:par>
+                            </p:childTnLst>
+                          </p:cTn>
+                        </p:par>
+                      </p:childTnLst>
+                    </p:cTn>
+                  </p:par>
+                  <p:par>
+                    <p:cTn id="8" fill="hold">
+                      <p:stCondLst>
+                        <p:cond delay="indefinite"/>
+                      </p:stCondLst>
+                      <p:childTnLst>
+                        <p:par>
+                          <p:cTn id="9" fill="hold">
+                            <p:stCondLst>
+                              <p:cond delay="0"/>
+                            </p:stCondLst>
+                            <p:childTnLst>
+                              <p:par>
+                                <p:cTn id="10" presetID="10" presetClass="entr" presetSubtype="0" fill="hold" grpId="0" nodeType="clickEffect">
+                                  <p:stCondLst>
+                                    <p:cond delay="0"/>
+                                  </p:stCondLst>
+                                  <p:childTnLst>
+                                    <p:set>
+                                      <p:cBhvr>
+                                        <p:cTn id="11" dur="1" fill="hold">
+                                          <p:stCondLst>
+                                            <p:cond delay="0"/>
+                                          </p:stCondLst>
+                                        </p:cTn>
+                                        <p:tgtEl>
+                                          <p:spTgt spid="10"/>
+                                        </p:tgtEl>
+                                        <p:attrNameLst>
+                                          <p:attrName>style.visibility</p:attrName>
+                                        </p:attrNameLst>
+                                      </p:cBhvr>
+                                      <p:to>
+                                        <p:strVal val="visible"/>
+                                      </p:to>
+                                    </p:set>
+                                    <p:animEffect transition="in" filter="fade">
+                                      <p:cBhvr>
+                                        <p:cTn id="12" dur="500"/>
+                                        <p:tgtEl>
+                                          <p:spTgt spid="10"/>
+                                        </p:tgtEl>
+                                      </p:cBhvr>
+                                    </p:animEffect>
+                                  </p:childTnLst>
+                                </p:cTn>
+                              </p:par>
+                            </p:childTnLst>
+                          </p:cTn>
+                        </p:par>
+                      </p:childTnLst>
+                    </p:cTn>
+                  </p:par>
+                  <p:par>
+                    <p:cTn id="13" fill="hold">
+                      <p:stCondLst>
+                        <p:cond delay="indefinite"/>
+                      </p:stCondLst>
+                      <p:childTnLst>
+                        <p:par>
+                          <p:cTn id="14" fill="hold">
+                            <p:stCondLst>
+                              <p:cond delay="0"/>
+                            </p:stCondLst>
+                            <p:childTnLst>
+                              <p:par>
+                                <p:cTn id="15" presetID="10" presetClass="entr" presetSubtype="0" fill="hold" grpId="0" nodeType="clickEffect">
+                                  <p:stCondLst>
+                                    <p:cond delay="0"/>
+                                  </p:stCondLst>
+                                  <p:childTnLst>
+                                    <p:set>
+                                      <p:cBhvr>
+                                        <p:cTn id="16" dur="1" fill="hold">
+                                          <p:stCondLst>
+                                            <p:cond delay="0"/>
+                                          </p:stCondLst>
+                                        </p:cTn>
+                                        <p:tgtEl>
+                                          <p:spTgt spid="11"/>
+                                        </p:tgtEl>
+                                        <p:attrNameLst>
+                                          <p:attrName>style.visibility</p:attrName>
+                                        </p:attrNameLst>
+                                      </p:cBhvr>
+                                      <p:to>
+                                        <p:strVal val="visible"/>
+                                      </p:to>
+                                    </p:set>
+                                    <p:animEffect transition="in" filter="fade">
+                                      <p:cBhvr>
+                                        <p:cTn id="17" dur="500"/>
+                                        <p:tgtEl>
+                                          <p:spTgt spid="11"/>
+                                        </p:tgtEl>
+                                      </p:cBhvr>
+                                    </p:animEffect>
+                                  </p:childTnLst>
+                                </p:cTn>
+                              </p:par>
+                            </p:childTnLst>
+                          </p:cTn>
+                        </p:par>
+                      </p:childTnLst>
+                    </p:cTn>
+                  </p:par>
+                  <p:par>
+                    <p:cTn id="18" fill="hold">
+                      <p:stCondLst>
+                        <p:cond delay="indefinite"/>
+                      </p:stCondLst>
+                      <p:childTnLst>
+                        <p:par>
+                          <p:cTn id="19" fill="hold">
+                            <p:stCondLst>
+                              <p:cond delay="0"/>
+                            </p:stCondLst>
+                            <p:childTnLst>
+                              <p:par>
+                                <p:cTn id="20" presetID="10" presetClass="entr" presetSubtype="0" fill="hold" nodeType="clickEffect">
+                                  <p:stCondLst>
+                                    <p:cond delay="0"/>
+                                  </p:stCondLst>
+                                  <p:childTnLst>
+                                    <p:set>
+                                      <p:cBhvr>
+                                        <p:cTn id="21" dur="1" fill="hold">
+                                          <p:stCondLst>
+                                            <p:cond delay="0"/>
+                                          </p:stCondLst>
+                                        </p:cTn>
+                                        <p:tgtEl>
+                                          <p:spTgt spid="47"/>
+                                        </p:tgtEl>
+                                        <p:attrNameLst>
+                                          <p:attrName>style.visibility</p:attrName>
+                                        </p:attrNameLst>
+                                      </p:cBhvr>
+                                      <p:to>
+                                        <p:strVal val="visible"/>
+                                      </p:to>
+                                    </p:set>
+                                    <p:animEffect transition="in" filter="fade">
+                                      <p:cBhvr>
+                                        <p:cTn id="22" dur="500"/>
+                                        <p:tgtEl>
+                                          <p:spTgt spid="47"/>
+                                        </p:tgtEl>
+                                      </p:cBhvr>
+                                    </p:animEffect>
+                                  </p:childTnLst>
+                                </p:cTn>
+                              </p:par>
+                              <p:par>
+                                <p:cTn id="23" presetID="10" presetClass="entr" presetSubtype="0" fill="hold" nodeType="withEffect">
+                                  <p:stCondLst>
+                                    <p:cond delay="0"/>
+                                  </p:stCondLst>
+                                  <p:childTnLst>
+                                    <p:set>
+                                      <p:cBhvr>
+                                        <p:cTn id="24" dur="1" fill="hold">
+                                          <p:stCondLst>
+                                            <p:cond delay="0"/>
+                                          </p:stCondLst>
+                                        </p:cTn>
+                                        <p:tgtEl>
+                                          <p:spTgt spid="39"/>
+                                        </p:tgtEl>
+                                        <p:attrNameLst>
+                                          <p:attrName>style.visibility</p:attrName>
+                                        </p:attrNameLst>
+                                      </p:cBhvr>
+                                      <p:to>
+                                        <p:strVal val="visible"/>
+                                      </p:to>
+                                    </p:set>
+                                    <p:animEffect transition="in" filter="fade">
+                                      <p:cBhvr>
+                                        <p:cTn id="25" dur="500"/>
+                                        <p:tgtEl>
+                                          <p:spTgt spid="39"/>
+                                        </p:tgtEl>
+                                      </p:cBhvr>
+                                    </p:animEffect>
+                                  </p:childTnLst>
+                                </p:cTn>
+                              </p:par>
+                            </p:childTnLst>
+                          </p:cTn>
+                        </p:par>
+                      </p:childTnLst>
+                    </p:cTn>
+                  </p:par>
+                  <p:par>
+                    <p:cTn id="26" fill="hold">
+                      <p:stCondLst>
+                        <p:cond delay="indefinite"/>
+                      </p:stCondLst>
+                      <p:childTnLst>
+                        <p:par>
+                          <p:cTn id="27" fill="hold">
+                            <p:stCondLst>
+                              <p:cond delay="0"/>
+                            </p:stCondLst>
+                            <p:childTnLst>
+                              <p:par>
+                                <p:cTn id="28" presetID="10" presetClass="entr" presetSubtype="0" fill="hold" grpId="0" nodeType="clickEffect">
+                                  <p:stCondLst>
+                                    <p:cond delay="0"/>
+                                  </p:stCondLst>
+                                  <p:childTnLst>
+                                    <p:set>
+                                      <p:cBhvr>
+                                        <p:cTn id="29" dur="1" fill="hold">
+                                          <p:stCondLst>
+                                            <p:cond delay="0"/>
+                                          </p:stCondLst>
+                                        </p:cTn>
+                                        <p:tgtEl>
+                                          <p:spTgt spid="20"/>
+                                        </p:tgtEl>
+                                        <p:attrNameLst>
+                                          <p:attrName>style.visibility</p:attrName>
+                                        </p:attrNameLst>
+                                      </p:cBhvr>
+                                      <p:to>
+                                        <p:strVal val="visible"/>
+                                      </p:to>
+                                    </p:set>
+                                    <p:animEffect transition="in" filter="fade">
+                                      <p:cBhvr>
+                                        <p:cTn id="30" dur="500"/>
+                                        <p:tgtEl>
+                                          <p:spTgt spid="20"/>
+                                        </p:tgtEl>
+                                      </p:cBhvr>
+                                    </p:animEffect>
+                                  </p:childTnLst>
+                                </p:cTn>
+                              </p:par>
+                            </p:childTnLst>
+                          </p:cTn>
+                        </p:par>
+                      </p:childTnLst>
+                    </p:cTn>
+                  </p:par>
+                  <p:par>
+                    <p:cTn id="31" fill="hold">
+                      <p:stCondLst>
+                        <p:cond delay="indefinite"/>
+                      </p:stCondLst>
+                      <p:childTnLst>
+                        <p:par>
+                          <p:cTn id="32" fill="hold">
+                            <p:stCondLst>
+                              <p:cond delay="0"/>
+                            </p:stCondLst>
+                            <p:childTnLst>
+                              <p:par>
+                                <p:cTn id="33" presetID="10" presetClass="entr" presetSubtype="0" fill="hold" nodeType="clickEffect">
+                                  <p:stCondLst>
+                                    <p:cond delay="0"/>
+                                  </p:stCondLst>
+                                  <p:childTnLst>
+                                    <p:set>
+                                      <p:cBhvr>
+                                        <p:cTn id="34" dur="1" fill="hold">
+                                          <p:stCondLst>
+                                            <p:cond delay="0"/>
+                                          </p:stCondLst>
+                                        </p:cTn>
+                                        <p:tgtEl>
+                                          <p:spTgt spid="54"/>
+                                        </p:tgtEl>
+                                        <p:attrNameLst>
+                                          <p:attrName>style.visibility</p:attrName>
+                                        </p:attrNameLst>
+                                      </p:cBhvr>
+                                      <p:to>
+                                        <p:strVal val="visible"/>
+                                      </p:to>
+                                    </p:set>
+                                    <p:animEffect transition="in" filter="fade">
+                                      <p:cBhvr>
+                                        <p:cTn id="35" dur="500"/>
+                                        <p:tgtEl>
+                                          <p:spTgt spid="54"/>
+                                        </p:tgtEl>
+                                      </p:cBhvr>
+                                    </p:animEffect>
+                                  </p:childTnLst>
+                                </p:cTn>
+                              </p:par>
+                              <p:par>
+                                <p:cTn id="36" presetID="10" presetClass="entr" presetSubtype="0" fill="hold" nodeType="withEffect">
+                                  <p:stCondLst>
+                                    <p:cond delay="0"/>
+                                  </p:stCondLst>
+                                  <p:childTnLst>
+                                    <p:set>
+                                      <p:cBhvr>
+                                        <p:cTn id="37" dur="1" fill="hold">
+                                          <p:stCondLst>
+                                            <p:cond delay="0"/>
+                                          </p:stCondLst>
+                                        </p:cTn>
+                                        <p:tgtEl>
+                                          <p:spTgt spid="31"/>
+                                        </p:tgtEl>
+                                        <p:attrNameLst>
+                                          <p:attrName>style.visibility</p:attrName>
+                                        </p:attrNameLst>
+                                      </p:cBhvr>
+                                      <p:to>
+                                        <p:strVal val="visible"/>
+                                      </p:to>
+                                    </p:set>
+                                    <p:animEffect transition="in" filter="fade">
+                                      <p:cBhvr>
+                                        <p:cTn id="38" dur="500"/>
+                                        <p:tgtEl>
+                                          <p:spTgt spid="31"/>
+                                        </p:tgtEl>
+                                      </p:cBhvr>
+                                    </p:animEffect>
+                                  </p:childTnLst>
+                                </p:cTn>
+                              </p:par>
+                            </p:childTnLst>
+                          </p:cTn>
+                        </p:par>
+                      </p:childTnLst>
+                    </p:cTn>
+                  </p:par>
+                  <p:par>
+                    <p:cTn id="39" fill="hold">
+                      <p:stCondLst>
+                        <p:cond delay="indefinite"/>
+                      </p:stCondLst>
+                      <p:childTnLst>
+                        <p:par>
+                          <p:cTn id="40" fill="hold">
+                            <p:stCondLst>
+                              <p:cond delay="0"/>
+                            </p:stCondLst>
+                            <p:childTnLst>
+                              <p:par>
+                                <p:cTn id="41" presetID="10" presetClass="entr" presetSubtype="0" fill="hold" grpId="0" nodeType="clickEffect">
+                                  <p:stCondLst>
+                                    <p:cond delay="0"/>
+                                  </p:stCondLst>
+                                  <p:childTnLst>
+                                    <p:set>
+                                      <p:cBhvr>
+                                        <p:cTn id="42" dur="1" fill="hold">
+                                          <p:stCondLst>
+                                            <p:cond delay="0"/>
+                                          </p:stCondLst>
+                                        </p:cTn>
+                                        <p:tgtEl>
+                                          <p:spTgt spid="44"/>
+                                        </p:tgtEl>
+                                        <p:attrNameLst>
+                                          <p:attrName>style.visibility</p:attrName>
+                                        </p:attrNameLst>
+                                      </p:cBhvr>
+                                      <p:to>
+                                        <p:strVal val="visible"/>
+                                      </p:to>
+                                    </p:set>
+                                    <p:animEffect transition="in" filter="fade">
+                                      <p:cBhvr>
+                                        <p:cTn id="43" dur="500"/>
+                                        <p:tgtEl>
+                                          <p:spTgt spid="44"/>
+                                        </p:tgtEl>
+                                      </p:cBhvr>
+                                    </p:animEffect>
+                                  </p:childTnLst>
+                                </p:cTn>
+                              </p:par>
+                            </p:childTnLst>
+                          </p:cTn>
+                        </p:par>
+                      </p:childTnLst>
+                    </p:cTn>
+                  </p:par>
+                  <p:par>
+                    <p:cTn id="44" fill="hold">
+                      <p:stCondLst>
+                        <p:cond delay="indefinite"/>
+                      </p:stCondLst>
+                      <p:childTnLst>
+                        <p:par>
+                          <p:cTn id="45" fill="hold">
+                            <p:stCondLst>
+                              <p:cond delay="0"/>
+                            </p:stCondLst>
+                            <p:childTnLst>
+                              <p:par>
+                                <p:cTn id="46" presetID="10" presetClass="entr" presetSubtype="0" fill="hold" nodeType="clickEffect">
+                                  <p:stCondLst>
+                                    <p:cond delay="0"/>
+                                  </p:stCondLst>
+                                  <p:childTnLst>
+                                    <p:set>
+                                      <p:cBhvr>
+                                        <p:cTn id="47" dur="1" fill="hold">
+                                          <p:stCondLst>
+                                            <p:cond delay="0"/>
+                                          </p:stCondLst>
+                                        </p:cTn>
+                                        <p:tgtEl>
+                                          <p:spTgt spid="45"/>
+                                        </p:tgtEl>
+                                        <p:attrNameLst>
+                                          <p:attrName>style.visibility</p:attrName>
+                                        </p:attrNameLst>
+                                      </p:cBhvr>
+                                      <p:to>
+                                        <p:strVal val="visible"/>
+                                      </p:to>
+                                    </p:set>
+                                    <p:animEffect transition="in" filter="fade">
+                                      <p:cBhvr>
+                                        <p:cTn id="48" dur="500"/>
+                                        <p:tgtEl>
+                                          <p:spTgt spid="45"/>
+                                        </p:tgtEl>
+                                      </p:cBhvr>
+                                    </p:animEffect>
+                                  </p:childTnLst>
+                                </p:cTn>
+                              </p:par>
+                              <p:par>
+                                <p:cTn id="49" presetID="10" presetClass="entr" presetSubtype="0" fill="hold" nodeType="withEffect">
+                                  <p:stCondLst>
+                                    <p:cond delay="0"/>
+                                  </p:stCondLst>
+                                  <p:childTnLst>
+                                    <p:set>
+                                      <p:cBhvr>
+                                        <p:cTn id="50" dur="1" fill="hold">
+                                          <p:stCondLst>
+                                            <p:cond delay="0"/>
+                                          </p:stCondLst>
+                                        </p:cTn>
+                                        <p:tgtEl>
+                                          <p:spTgt spid="35"/>
+                                        </p:tgtEl>
+                                        <p:attrNameLst>
+                                          <p:attrName>style.visibility</p:attrName>
+                                        </p:attrNameLst>
+                                      </p:cBhvr>
+                                      <p:to>
+                                        <p:strVal val="visible"/>
+                                      </p:to>
+                                    </p:set>
+                                    <p:animEffect transition="in" filter="fade">
+                                      <p:cBhvr>
+                                        <p:cTn id="51" dur="500"/>
+                                        <p:tgtEl>
+                                          <p:spTgt spid="35"/>
+                                        </p:tgtEl>
+                                      </p:cBhvr>
+                                    </p:animEffect>
+                                  </p:childTnLst>
+                                </p:cTn>
+                              </p:par>
+                            </p:childTnLst>
+                          </p:cTn>
+                        </p:par>
+                      </p:childTnLst>
+                    </p:cTn>
+                  </p:par>
+                </p:childTnLst>
+              </p:cTn>
+              <p:prevCondLst>
+                <p:cond evt="onPrev" delay="0">
+                  <p:tgtEl>
+                    <p:sldTgt/>
+                  </p:tgtEl>
+                </p:cond>
+              </p:prevCondLst>
+              <p:nextCondLst>
+                <p:cond evt="onNext" delay="0">
+                  <p:tgtEl>
+                    <p:sldTgt/>
+                  </p:tgtEl>
+                </p:cond>
+              </p:nextCondLst>
+            </p:seq>
+          </p:childTnLst>
+        </p:cTn>
+      </p:par>
+    </p:tnLst>
+    <p:bldLst>
+      <p:bldP spid="44" grpId="0" animBg="1"/>
+      <p:bldP spid="20" grpId="0" animBg="1"/>
+      <p:bldP spid="11" grpId="0" animBg="1"/>
+      <p:bldP spid="10" grpId="0" animBg="1"/>
+      <p:bldP spid="9" grpId="0" animBg="1"/>
+    </p:bldLst>
+  </p:timing>
 </p:sld>
 </file>
 
@@ -28332,282 +30013,6 @@
           </a:prstGeom>
         </p:spPr>
       </p:pic>
-      <p:grpSp>
-        <p:nvGrpSpPr>
-          <p:cNvPr id="54" name="Group 53">
-            <a:extLst>
-              <a:ext uri="{FF2B5EF4-FFF2-40B4-BE49-F238E27FC236}">
-                <a16:creationId xmlns:a16="http://schemas.microsoft.com/office/drawing/2014/main" id="{AE839D30-14D7-4370-B81E-93F42825525F}"/>
-              </a:ext>
-            </a:extLst>
-          </p:cNvPr>
-          <p:cNvGrpSpPr/>
-          <p:nvPr/>
-        </p:nvGrpSpPr>
-        <p:grpSpPr>
-          <a:xfrm>
-            <a:off x="3546660" y="1749329"/>
-            <a:ext cx="1847823" cy="1501703"/>
-            <a:chOff x="2379057" y="341859"/>
-            <a:chExt cx="3810867" cy="3097044"/>
-          </a:xfrm>
-        </p:grpSpPr>
-        <p:sp>
-          <p:nvSpPr>
-            <p:cNvPr id="55" name="Rectangle: Rounded Corners 54">
-              <a:extLst>
-                <a:ext uri="{FF2B5EF4-FFF2-40B4-BE49-F238E27FC236}">
-                  <a16:creationId xmlns:a16="http://schemas.microsoft.com/office/drawing/2014/main" id="{512153B5-8DC9-49EE-BF52-AF6ADA33C6A8}"/>
-                </a:ext>
-              </a:extLst>
-            </p:cNvPr>
-            <p:cNvSpPr/>
-            <p:nvPr/>
-          </p:nvSpPr>
-          <p:spPr>
-            <a:xfrm>
-              <a:off x="2379057" y="341859"/>
-              <a:ext cx="3810867" cy="3097044"/>
-            </a:xfrm>
-            <a:prstGeom prst="roundRect">
-              <a:avLst/>
-            </a:prstGeom>
-            <a:solidFill>
-              <a:schemeClr val="accent4">
-                <a:alpha val="33000"/>
-              </a:schemeClr>
-            </a:solidFill>
-          </p:spPr>
-          <p:style>
-            <a:lnRef idx="2">
-              <a:schemeClr val="accent4">
-                <a:shade val="50000"/>
-              </a:schemeClr>
-            </a:lnRef>
-            <a:fillRef idx="1">
-              <a:schemeClr val="accent4"/>
-            </a:fillRef>
-            <a:effectRef idx="0">
-              <a:schemeClr val="accent4"/>
-            </a:effectRef>
-            <a:fontRef idx="minor">
-              <a:schemeClr val="lt1"/>
-            </a:fontRef>
-          </p:style>
-          <p:txBody>
-            <a:bodyPr rtlCol="0" anchor="ctr"/>
-            <a:lstStyle/>
-            <a:p>
-              <a:pPr algn="ctr"/>
-              <a:endParaRPr lang="en-US" dirty="0"/>
-            </a:p>
-          </p:txBody>
-        </p:sp>
-        <p:sp>
-          <p:nvSpPr>
-            <p:cNvPr id="56" name="Rectangle: Rounded Corners 55">
-              <a:extLst>
-                <a:ext uri="{FF2B5EF4-FFF2-40B4-BE49-F238E27FC236}">
-                  <a16:creationId xmlns:a16="http://schemas.microsoft.com/office/drawing/2014/main" id="{57BD90E3-E69C-4EA8-98CA-403D07A0E8A3}"/>
-                </a:ext>
-              </a:extLst>
-            </p:cNvPr>
-            <p:cNvSpPr/>
-            <p:nvPr/>
-          </p:nvSpPr>
-          <p:spPr>
-            <a:xfrm>
-              <a:off x="2842631" y="911743"/>
-              <a:ext cx="2821451" cy="2380442"/>
-            </a:xfrm>
-            <a:prstGeom prst="roundRect">
-              <a:avLst/>
-            </a:prstGeom>
-            <a:solidFill>
-              <a:schemeClr val="accent4">
-                <a:alpha val="33000"/>
-              </a:schemeClr>
-            </a:solidFill>
-          </p:spPr>
-          <p:style>
-            <a:lnRef idx="2">
-              <a:schemeClr val="accent4">
-                <a:shade val="50000"/>
-              </a:schemeClr>
-            </a:lnRef>
-            <a:fillRef idx="1">
-              <a:schemeClr val="accent4"/>
-            </a:fillRef>
-            <a:effectRef idx="0">
-              <a:schemeClr val="accent4"/>
-            </a:effectRef>
-            <a:fontRef idx="minor">
-              <a:schemeClr val="lt1"/>
-            </a:fontRef>
-          </p:style>
-          <p:txBody>
-            <a:bodyPr rtlCol="0" anchor="ctr"/>
-            <a:lstStyle/>
-            <a:p>
-              <a:pPr algn="ctr"/>
-              <a:endParaRPr lang="en-US" dirty="0"/>
-            </a:p>
-          </p:txBody>
-        </p:sp>
-        <p:sp>
-          <p:nvSpPr>
-            <p:cNvPr id="57" name="Rectangle: Rounded Corners 56">
-              <a:extLst>
-                <a:ext uri="{FF2B5EF4-FFF2-40B4-BE49-F238E27FC236}">
-                  <a16:creationId xmlns:a16="http://schemas.microsoft.com/office/drawing/2014/main" id="{BE44CFA8-C9F5-473F-8F53-3641B9EB04D9}"/>
-                </a:ext>
-              </a:extLst>
-            </p:cNvPr>
-            <p:cNvSpPr/>
-            <p:nvPr/>
-          </p:nvSpPr>
-          <p:spPr>
-            <a:xfrm>
-              <a:off x="3225311" y="1473662"/>
-              <a:ext cx="2118360" cy="1714500"/>
-            </a:xfrm>
-            <a:prstGeom prst="roundRect">
-              <a:avLst/>
-            </a:prstGeom>
-            <a:solidFill>
-              <a:schemeClr val="accent4">
-                <a:alpha val="33000"/>
-              </a:schemeClr>
-            </a:solidFill>
-          </p:spPr>
-          <p:style>
-            <a:lnRef idx="2">
-              <a:schemeClr val="accent4">
-                <a:shade val="50000"/>
-              </a:schemeClr>
-            </a:lnRef>
-            <a:fillRef idx="1">
-              <a:schemeClr val="accent4"/>
-            </a:fillRef>
-            <a:effectRef idx="0">
-              <a:schemeClr val="accent4"/>
-            </a:effectRef>
-            <a:fontRef idx="minor">
-              <a:schemeClr val="lt1"/>
-            </a:fontRef>
-          </p:style>
-          <p:txBody>
-            <a:bodyPr rtlCol="0" anchor="ctr"/>
-            <a:lstStyle/>
-            <a:p>
-              <a:pPr algn="ctr"/>
-              <a:endParaRPr lang="en-US" dirty="0"/>
-            </a:p>
-          </p:txBody>
-        </p:sp>
-        <p:sp>
-          <p:nvSpPr>
-            <p:cNvPr id="58" name="Rectangle: Rounded Corners 57">
-              <a:extLst>
-                <a:ext uri="{FF2B5EF4-FFF2-40B4-BE49-F238E27FC236}">
-                  <a16:creationId xmlns:a16="http://schemas.microsoft.com/office/drawing/2014/main" id="{8DA7EE19-8F7A-48D1-912E-80B3D9E88A0C}"/>
-                </a:ext>
-              </a:extLst>
-            </p:cNvPr>
-            <p:cNvSpPr/>
-            <p:nvPr/>
-          </p:nvSpPr>
-          <p:spPr>
-            <a:xfrm>
-              <a:off x="3374397" y="1744131"/>
-              <a:ext cx="1776723" cy="1334349"/>
-            </a:xfrm>
-            <a:prstGeom prst="roundRect">
-              <a:avLst/>
-            </a:prstGeom>
-            <a:solidFill>
-              <a:schemeClr val="accent4">
-                <a:alpha val="33000"/>
-              </a:schemeClr>
-            </a:solidFill>
-          </p:spPr>
-          <p:style>
-            <a:lnRef idx="2">
-              <a:schemeClr val="accent4">
-                <a:shade val="50000"/>
-              </a:schemeClr>
-            </a:lnRef>
-            <a:fillRef idx="1">
-              <a:schemeClr val="accent4"/>
-            </a:fillRef>
-            <a:effectRef idx="0">
-              <a:schemeClr val="accent4"/>
-            </a:effectRef>
-            <a:fontRef idx="minor">
-              <a:schemeClr val="lt1"/>
-            </a:fontRef>
-          </p:style>
-          <p:txBody>
-            <a:bodyPr rtlCol="0" anchor="ctr"/>
-            <a:lstStyle/>
-            <a:p>
-              <a:pPr algn="ctr"/>
-              <a:endParaRPr lang="en-US" dirty="0"/>
-            </a:p>
-          </p:txBody>
-        </p:sp>
-        <p:sp>
-          <p:nvSpPr>
-            <p:cNvPr id="59" name="Rectangle: Rounded Corners 58">
-              <a:extLst>
-                <a:ext uri="{FF2B5EF4-FFF2-40B4-BE49-F238E27FC236}">
-                  <a16:creationId xmlns:a16="http://schemas.microsoft.com/office/drawing/2014/main" id="{0780C57C-920A-4845-B378-1071D6E87F3A}"/>
-                </a:ext>
-              </a:extLst>
-            </p:cNvPr>
-            <p:cNvSpPr/>
-            <p:nvPr/>
-          </p:nvSpPr>
-          <p:spPr>
-            <a:xfrm>
-              <a:off x="3477515" y="1950644"/>
-              <a:ext cx="1551685" cy="1053509"/>
-            </a:xfrm>
-            <a:prstGeom prst="roundRect">
-              <a:avLst/>
-            </a:prstGeom>
-            <a:solidFill>
-              <a:schemeClr val="accent4">
-                <a:alpha val="33000"/>
-              </a:schemeClr>
-            </a:solidFill>
-          </p:spPr>
-          <p:style>
-            <a:lnRef idx="2">
-              <a:schemeClr val="accent4">
-                <a:shade val="50000"/>
-              </a:schemeClr>
-            </a:lnRef>
-            <a:fillRef idx="1">
-              <a:schemeClr val="accent4"/>
-            </a:fillRef>
-            <a:effectRef idx="0">
-              <a:schemeClr val="accent4"/>
-            </a:effectRef>
-            <a:fontRef idx="minor">
-              <a:schemeClr val="lt1"/>
-            </a:fontRef>
-          </p:style>
-          <p:txBody>
-            <a:bodyPr rtlCol="0" anchor="ctr"/>
-            <a:lstStyle/>
-            <a:p>
-              <a:pPr algn="ctr"/>
-              <a:endParaRPr lang="en-US" dirty="0"/>
-            </a:p>
-          </p:txBody>
-        </p:sp>
-      </p:grpSp>
       <p:pic>
         <p:nvPicPr>
           <p:cNvPr id="60" name="Picture 6">
@@ -28653,282 +30058,6 @@
           </a:extLst>
         </p:spPr>
       </p:pic>
-      <p:grpSp>
-        <p:nvGrpSpPr>
-          <p:cNvPr id="61" name="Group 60">
-            <a:extLst>
-              <a:ext uri="{FF2B5EF4-FFF2-40B4-BE49-F238E27FC236}">
-                <a16:creationId xmlns:a16="http://schemas.microsoft.com/office/drawing/2014/main" id="{895721DF-86E2-4343-8381-FFA88148C5BB}"/>
-              </a:ext>
-            </a:extLst>
-          </p:cNvPr>
-          <p:cNvGrpSpPr/>
-          <p:nvPr/>
-        </p:nvGrpSpPr>
-        <p:grpSpPr>
-          <a:xfrm>
-            <a:off x="6296472" y="1785834"/>
-            <a:ext cx="1847823" cy="1501703"/>
-            <a:chOff x="2379057" y="341859"/>
-            <a:chExt cx="3810867" cy="3097044"/>
-          </a:xfrm>
-        </p:grpSpPr>
-        <p:sp>
-          <p:nvSpPr>
-            <p:cNvPr id="62" name="Rectangle: Rounded Corners 61">
-              <a:extLst>
-                <a:ext uri="{FF2B5EF4-FFF2-40B4-BE49-F238E27FC236}">
-                  <a16:creationId xmlns:a16="http://schemas.microsoft.com/office/drawing/2014/main" id="{7F143152-6F14-41A8-89FF-426455942D67}"/>
-                </a:ext>
-              </a:extLst>
-            </p:cNvPr>
-            <p:cNvSpPr/>
-            <p:nvPr/>
-          </p:nvSpPr>
-          <p:spPr>
-            <a:xfrm>
-              <a:off x="2379057" y="341859"/>
-              <a:ext cx="3810867" cy="3097044"/>
-            </a:xfrm>
-            <a:prstGeom prst="roundRect">
-              <a:avLst/>
-            </a:prstGeom>
-            <a:solidFill>
-              <a:schemeClr val="accent4">
-                <a:alpha val="33000"/>
-              </a:schemeClr>
-            </a:solidFill>
-          </p:spPr>
-          <p:style>
-            <a:lnRef idx="2">
-              <a:schemeClr val="accent4">
-                <a:shade val="50000"/>
-              </a:schemeClr>
-            </a:lnRef>
-            <a:fillRef idx="1">
-              <a:schemeClr val="accent4"/>
-            </a:fillRef>
-            <a:effectRef idx="0">
-              <a:schemeClr val="accent4"/>
-            </a:effectRef>
-            <a:fontRef idx="minor">
-              <a:schemeClr val="lt1"/>
-            </a:fontRef>
-          </p:style>
-          <p:txBody>
-            <a:bodyPr rtlCol="0" anchor="ctr"/>
-            <a:lstStyle/>
-            <a:p>
-              <a:pPr algn="ctr"/>
-              <a:endParaRPr lang="en-US" dirty="0"/>
-            </a:p>
-          </p:txBody>
-        </p:sp>
-        <p:sp>
-          <p:nvSpPr>
-            <p:cNvPr id="63" name="Rectangle: Rounded Corners 62">
-              <a:extLst>
-                <a:ext uri="{FF2B5EF4-FFF2-40B4-BE49-F238E27FC236}">
-                  <a16:creationId xmlns:a16="http://schemas.microsoft.com/office/drawing/2014/main" id="{58C1B62A-F444-41B3-A0F9-8B18A23ADB79}"/>
-                </a:ext>
-              </a:extLst>
-            </p:cNvPr>
-            <p:cNvSpPr/>
-            <p:nvPr/>
-          </p:nvSpPr>
-          <p:spPr>
-            <a:xfrm>
-              <a:off x="2842631" y="911743"/>
-              <a:ext cx="2821451" cy="2380442"/>
-            </a:xfrm>
-            <a:prstGeom prst="roundRect">
-              <a:avLst/>
-            </a:prstGeom>
-            <a:solidFill>
-              <a:schemeClr val="accent4">
-                <a:alpha val="33000"/>
-              </a:schemeClr>
-            </a:solidFill>
-          </p:spPr>
-          <p:style>
-            <a:lnRef idx="2">
-              <a:schemeClr val="accent4">
-                <a:shade val="50000"/>
-              </a:schemeClr>
-            </a:lnRef>
-            <a:fillRef idx="1">
-              <a:schemeClr val="accent4"/>
-            </a:fillRef>
-            <a:effectRef idx="0">
-              <a:schemeClr val="accent4"/>
-            </a:effectRef>
-            <a:fontRef idx="minor">
-              <a:schemeClr val="lt1"/>
-            </a:fontRef>
-          </p:style>
-          <p:txBody>
-            <a:bodyPr rtlCol="0" anchor="ctr"/>
-            <a:lstStyle/>
-            <a:p>
-              <a:pPr algn="ctr"/>
-              <a:endParaRPr lang="en-US" dirty="0"/>
-            </a:p>
-          </p:txBody>
-        </p:sp>
-        <p:sp>
-          <p:nvSpPr>
-            <p:cNvPr id="64" name="Rectangle: Rounded Corners 63">
-              <a:extLst>
-                <a:ext uri="{FF2B5EF4-FFF2-40B4-BE49-F238E27FC236}">
-                  <a16:creationId xmlns:a16="http://schemas.microsoft.com/office/drawing/2014/main" id="{9913A3CE-BC4E-4933-AE54-8327B51868D5}"/>
-                </a:ext>
-              </a:extLst>
-            </p:cNvPr>
-            <p:cNvSpPr/>
-            <p:nvPr/>
-          </p:nvSpPr>
-          <p:spPr>
-            <a:xfrm>
-              <a:off x="3225311" y="1473662"/>
-              <a:ext cx="2118360" cy="1714500"/>
-            </a:xfrm>
-            <a:prstGeom prst="roundRect">
-              <a:avLst/>
-            </a:prstGeom>
-            <a:solidFill>
-              <a:schemeClr val="accent4">
-                <a:alpha val="33000"/>
-              </a:schemeClr>
-            </a:solidFill>
-          </p:spPr>
-          <p:style>
-            <a:lnRef idx="2">
-              <a:schemeClr val="accent4">
-                <a:shade val="50000"/>
-              </a:schemeClr>
-            </a:lnRef>
-            <a:fillRef idx="1">
-              <a:schemeClr val="accent4"/>
-            </a:fillRef>
-            <a:effectRef idx="0">
-              <a:schemeClr val="accent4"/>
-            </a:effectRef>
-            <a:fontRef idx="minor">
-              <a:schemeClr val="lt1"/>
-            </a:fontRef>
-          </p:style>
-          <p:txBody>
-            <a:bodyPr rtlCol="0" anchor="ctr"/>
-            <a:lstStyle/>
-            <a:p>
-              <a:pPr algn="ctr"/>
-              <a:endParaRPr lang="en-US" dirty="0"/>
-            </a:p>
-          </p:txBody>
-        </p:sp>
-        <p:sp>
-          <p:nvSpPr>
-            <p:cNvPr id="65" name="Rectangle: Rounded Corners 64">
-              <a:extLst>
-                <a:ext uri="{FF2B5EF4-FFF2-40B4-BE49-F238E27FC236}">
-                  <a16:creationId xmlns:a16="http://schemas.microsoft.com/office/drawing/2014/main" id="{C2E1A1E4-644F-4E31-9F01-89BC7B671E2C}"/>
-                </a:ext>
-              </a:extLst>
-            </p:cNvPr>
-            <p:cNvSpPr/>
-            <p:nvPr/>
-          </p:nvSpPr>
-          <p:spPr>
-            <a:xfrm>
-              <a:off x="3374397" y="1744131"/>
-              <a:ext cx="1776723" cy="1334349"/>
-            </a:xfrm>
-            <a:prstGeom prst="roundRect">
-              <a:avLst/>
-            </a:prstGeom>
-            <a:solidFill>
-              <a:schemeClr val="accent4">
-                <a:alpha val="33000"/>
-              </a:schemeClr>
-            </a:solidFill>
-          </p:spPr>
-          <p:style>
-            <a:lnRef idx="2">
-              <a:schemeClr val="accent4">
-                <a:shade val="50000"/>
-              </a:schemeClr>
-            </a:lnRef>
-            <a:fillRef idx="1">
-              <a:schemeClr val="accent4"/>
-            </a:fillRef>
-            <a:effectRef idx="0">
-              <a:schemeClr val="accent4"/>
-            </a:effectRef>
-            <a:fontRef idx="minor">
-              <a:schemeClr val="lt1"/>
-            </a:fontRef>
-          </p:style>
-          <p:txBody>
-            <a:bodyPr rtlCol="0" anchor="ctr"/>
-            <a:lstStyle/>
-            <a:p>
-              <a:pPr algn="ctr"/>
-              <a:endParaRPr lang="en-US" dirty="0"/>
-            </a:p>
-          </p:txBody>
-        </p:sp>
-        <p:sp>
-          <p:nvSpPr>
-            <p:cNvPr id="66" name="Rectangle: Rounded Corners 65">
-              <a:extLst>
-                <a:ext uri="{FF2B5EF4-FFF2-40B4-BE49-F238E27FC236}">
-                  <a16:creationId xmlns:a16="http://schemas.microsoft.com/office/drawing/2014/main" id="{57AA0782-84FC-4493-8274-875A228AFE56}"/>
-                </a:ext>
-              </a:extLst>
-            </p:cNvPr>
-            <p:cNvSpPr/>
-            <p:nvPr/>
-          </p:nvSpPr>
-          <p:spPr>
-            <a:xfrm>
-              <a:off x="3477515" y="1950644"/>
-              <a:ext cx="1551685" cy="1053509"/>
-            </a:xfrm>
-            <a:prstGeom prst="roundRect">
-              <a:avLst/>
-            </a:prstGeom>
-            <a:solidFill>
-              <a:schemeClr val="accent4">
-                <a:alpha val="33000"/>
-              </a:schemeClr>
-            </a:solidFill>
-          </p:spPr>
-          <p:style>
-            <a:lnRef idx="2">
-              <a:schemeClr val="accent4">
-                <a:shade val="50000"/>
-              </a:schemeClr>
-            </a:lnRef>
-            <a:fillRef idx="1">
-              <a:schemeClr val="accent4"/>
-            </a:fillRef>
-            <a:effectRef idx="0">
-              <a:schemeClr val="accent4"/>
-            </a:effectRef>
-            <a:fontRef idx="minor">
-              <a:schemeClr val="lt1"/>
-            </a:fontRef>
-          </p:style>
-          <p:txBody>
-            <a:bodyPr rtlCol="0" anchor="ctr"/>
-            <a:lstStyle/>
-            <a:p>
-              <a:pPr algn="ctr"/>
-              <a:endParaRPr lang="en-US" dirty="0"/>
-            </a:p>
-          </p:txBody>
-        </p:sp>
-      </p:grpSp>
       <p:sp>
         <p:nvSpPr>
           <p:cNvPr id="53" name="Title 52">
@@ -29269,176 +30398,494 @@
           </a:prstGeom>
         </p:spPr>
       </p:pic>
-      <p:sp>
-        <p:nvSpPr>
-          <p:cNvPr id="70" name="Arrow: Pentagon 69">
+      <p:grpSp>
+        <p:nvGrpSpPr>
+          <p:cNvPr id="2" name="Group 1">
             <a:extLst>
               <a:ext uri="{FF2B5EF4-FFF2-40B4-BE49-F238E27FC236}">
-                <a16:creationId xmlns:a16="http://schemas.microsoft.com/office/drawing/2014/main" id="{4A353063-9EFB-4143-8662-BD9D0325BE52}"/>
+                <a16:creationId xmlns:a16="http://schemas.microsoft.com/office/drawing/2014/main" id="{2ECC84C0-65EF-4E06-82F4-394EEEA40469}"/>
               </a:ext>
             </a:extLst>
           </p:cNvPr>
-          <p:cNvSpPr/>
+          <p:cNvGrpSpPr/>
           <p:nvPr/>
-        </p:nvSpPr>
-        <p:spPr>
+        </p:nvGrpSpPr>
+        <p:grpSpPr>
           <a:xfrm>
-            <a:off x="2903220" y="2354986"/>
-            <a:ext cx="524600" cy="426720"/>
+            <a:off x="2082243" y="1559208"/>
+            <a:ext cx="2005493" cy="2005493"/>
+            <a:chOff x="2082243" y="1559208"/>
+            <a:chExt cx="2005493" cy="2005493"/>
           </a:xfrm>
-          <a:prstGeom prst="homePlate">
-            <a:avLst/>
-          </a:prstGeom>
-        </p:spPr>
-        <p:style>
-          <a:lnRef idx="2">
-            <a:schemeClr val="accent3">
-              <a:shade val="50000"/>
-            </a:schemeClr>
-          </a:lnRef>
-          <a:fillRef idx="1">
-            <a:schemeClr val="accent3"/>
-          </a:fillRef>
-          <a:effectRef idx="0">
-            <a:schemeClr val="accent3"/>
-          </a:effectRef>
-          <a:fontRef idx="minor">
-            <a:schemeClr val="lt1"/>
-          </a:fontRef>
-        </p:style>
-        <p:txBody>
-          <a:bodyPr rtlCol="0" anchor="ctr"/>
-          <a:lstStyle/>
-          <a:p>
-            <a:pPr algn="ctr"/>
-            <a:endParaRPr lang="en-US"/>
-          </a:p>
-        </p:txBody>
-      </p:sp>
-      <p:sp>
-        <p:nvSpPr>
-          <p:cNvPr id="83" name="Arrow: Pentagon 82">
+        </p:grpSpPr>
+        <p:sp>
+          <p:nvSpPr>
+            <p:cNvPr id="70" name="Arrow: Pentagon 69">
+              <a:extLst>
+                <a:ext uri="{FF2B5EF4-FFF2-40B4-BE49-F238E27FC236}">
+                  <a16:creationId xmlns:a16="http://schemas.microsoft.com/office/drawing/2014/main" id="{4A353063-9EFB-4143-8662-BD9D0325BE52}"/>
+                </a:ext>
+              </a:extLst>
+            </p:cNvPr>
+            <p:cNvSpPr/>
+            <p:nvPr/>
+          </p:nvSpPr>
+          <p:spPr>
+            <a:xfrm>
+              <a:off x="2903220" y="2354986"/>
+              <a:ext cx="524600" cy="426720"/>
+            </a:xfrm>
+            <a:prstGeom prst="homePlate">
+              <a:avLst/>
+            </a:prstGeom>
+          </p:spPr>
+          <p:style>
+            <a:lnRef idx="2">
+              <a:schemeClr val="accent3">
+                <a:shade val="50000"/>
+              </a:schemeClr>
+            </a:lnRef>
+            <a:fillRef idx="1">
+              <a:schemeClr val="accent3"/>
+            </a:fillRef>
+            <a:effectRef idx="0">
+              <a:schemeClr val="accent3"/>
+            </a:effectRef>
+            <a:fontRef idx="minor">
+              <a:schemeClr val="lt1"/>
+            </a:fontRef>
+          </p:style>
+          <p:txBody>
+            <a:bodyPr rtlCol="0" anchor="ctr"/>
+            <a:lstStyle/>
+            <a:p>
+              <a:pPr algn="ctr"/>
+              <a:endParaRPr lang="en-US"/>
+            </a:p>
+          </p:txBody>
+        </p:sp>
+        <p:pic>
+          <p:nvPicPr>
+            <p:cNvPr id="73" name="Graphic 72" descr="Arrow circle">
+              <a:extLst>
+                <a:ext uri="{FF2B5EF4-FFF2-40B4-BE49-F238E27FC236}">
+                  <a16:creationId xmlns:a16="http://schemas.microsoft.com/office/drawing/2014/main" id="{F81C86F1-4D40-4DFF-A700-F57102620A93}"/>
+                </a:ext>
+              </a:extLst>
+            </p:cNvPr>
+            <p:cNvPicPr>
+              <a:picLocks noChangeAspect="1"/>
+            </p:cNvPicPr>
+            <p:nvPr/>
+          </p:nvPicPr>
+          <p:blipFill>
+            <a:blip r:embed="rId11">
+              <a:extLst>
+                <a:ext uri="{28A0092B-C50C-407E-A947-70E740481C1C}">
+                  <a14:useLocalDpi xmlns:a14="http://schemas.microsoft.com/office/drawing/2010/main" val="0"/>
+                </a:ext>
+                <a:ext uri="{96DAC541-7B7A-43D3-8B79-37D633B846F1}">
+                  <asvg:svgBlip xmlns:asvg="http://schemas.microsoft.com/office/drawing/2016/SVG/main" r:embed="rId12"/>
+                </a:ext>
+              </a:extLst>
+            </a:blip>
+            <a:stretch>
+              <a:fillRect/>
+            </a:stretch>
+          </p:blipFill>
+          <p:spPr>
+            <a:xfrm>
+              <a:off x="2082243" y="1559208"/>
+              <a:ext cx="2005493" cy="2005493"/>
+            </a:xfrm>
+            <a:prstGeom prst="rect">
+              <a:avLst/>
+            </a:prstGeom>
+          </p:spPr>
+        </p:pic>
+      </p:grpSp>
+      <p:grpSp>
+        <p:nvGrpSpPr>
+          <p:cNvPr id="8" name="Group 7">
             <a:extLst>
               <a:ext uri="{FF2B5EF4-FFF2-40B4-BE49-F238E27FC236}">
-                <a16:creationId xmlns:a16="http://schemas.microsoft.com/office/drawing/2014/main" id="{D356AA95-112C-4C51-80AC-1D1190AF76CD}"/>
+                <a16:creationId xmlns:a16="http://schemas.microsoft.com/office/drawing/2014/main" id="{A15A78E0-713E-44F0-BAC0-50136581A83F}"/>
               </a:ext>
             </a:extLst>
           </p:cNvPr>
-          <p:cNvSpPr/>
+          <p:cNvGrpSpPr/>
           <p:nvPr/>
-        </p:nvSpPr>
-        <p:spPr>
+        </p:nvGrpSpPr>
+        <p:grpSpPr>
           <a:xfrm>
-            <a:off x="5616511" y="2354986"/>
-            <a:ext cx="524600" cy="426720"/>
+            <a:off x="4787457" y="1600026"/>
+            <a:ext cx="2005493" cy="2005493"/>
+            <a:chOff x="4787457" y="1600026"/>
+            <a:chExt cx="2005493" cy="2005493"/>
           </a:xfrm>
-          <a:prstGeom prst="homePlate">
-            <a:avLst/>
-          </a:prstGeom>
-        </p:spPr>
-        <p:style>
-          <a:lnRef idx="2">
-            <a:schemeClr val="accent3">
-              <a:shade val="50000"/>
-            </a:schemeClr>
-          </a:lnRef>
-          <a:fillRef idx="1">
-            <a:schemeClr val="accent3"/>
-          </a:fillRef>
-          <a:effectRef idx="0">
-            <a:schemeClr val="accent3"/>
-          </a:effectRef>
-          <a:fontRef idx="minor">
-            <a:schemeClr val="lt1"/>
-          </a:fontRef>
-        </p:style>
-        <p:txBody>
-          <a:bodyPr rtlCol="0" anchor="ctr"/>
-          <a:lstStyle/>
-          <a:p>
-            <a:pPr algn="ctr"/>
-            <a:endParaRPr lang="en-US"/>
-          </a:p>
-        </p:txBody>
-      </p:sp>
-      <p:pic>
-        <p:nvPicPr>
-          <p:cNvPr id="73" name="Graphic 72" descr="Arrow circle">
+        </p:grpSpPr>
+        <p:sp>
+          <p:nvSpPr>
+            <p:cNvPr id="83" name="Arrow: Pentagon 82">
+              <a:extLst>
+                <a:ext uri="{FF2B5EF4-FFF2-40B4-BE49-F238E27FC236}">
+                  <a16:creationId xmlns:a16="http://schemas.microsoft.com/office/drawing/2014/main" id="{D356AA95-112C-4C51-80AC-1D1190AF76CD}"/>
+                </a:ext>
+              </a:extLst>
+            </p:cNvPr>
+            <p:cNvSpPr/>
+            <p:nvPr/>
+          </p:nvSpPr>
+          <p:spPr>
+            <a:xfrm>
+              <a:off x="5616511" y="2354986"/>
+              <a:ext cx="524600" cy="426720"/>
+            </a:xfrm>
+            <a:prstGeom prst="homePlate">
+              <a:avLst/>
+            </a:prstGeom>
+          </p:spPr>
+          <p:style>
+            <a:lnRef idx="2">
+              <a:schemeClr val="accent3">
+                <a:shade val="50000"/>
+              </a:schemeClr>
+            </a:lnRef>
+            <a:fillRef idx="1">
+              <a:schemeClr val="accent3"/>
+            </a:fillRef>
+            <a:effectRef idx="0">
+              <a:schemeClr val="accent3"/>
+            </a:effectRef>
+            <a:fontRef idx="minor">
+              <a:schemeClr val="lt1"/>
+            </a:fontRef>
+          </p:style>
+          <p:txBody>
+            <a:bodyPr rtlCol="0" anchor="ctr"/>
+            <a:lstStyle/>
+            <a:p>
+              <a:pPr algn="ctr"/>
+              <a:endParaRPr lang="en-US"/>
+            </a:p>
+          </p:txBody>
+        </p:sp>
+        <p:pic>
+          <p:nvPicPr>
+            <p:cNvPr id="86" name="Graphic 85" descr="Arrow circle">
+              <a:extLst>
+                <a:ext uri="{FF2B5EF4-FFF2-40B4-BE49-F238E27FC236}">
+                  <a16:creationId xmlns:a16="http://schemas.microsoft.com/office/drawing/2014/main" id="{ECC5BF05-6B38-451B-A3B5-FD0CBAAD7DEA}"/>
+                </a:ext>
+              </a:extLst>
+            </p:cNvPr>
+            <p:cNvPicPr>
+              <a:picLocks noChangeAspect="1"/>
+            </p:cNvPicPr>
+            <p:nvPr/>
+          </p:nvPicPr>
+          <p:blipFill>
+            <a:blip r:embed="rId11">
+              <a:extLst>
+                <a:ext uri="{28A0092B-C50C-407E-A947-70E740481C1C}">
+                  <a14:useLocalDpi xmlns:a14="http://schemas.microsoft.com/office/drawing/2010/main" val="0"/>
+                </a:ext>
+                <a:ext uri="{96DAC541-7B7A-43D3-8B79-37D633B846F1}">
+                  <asvg:svgBlip xmlns:asvg="http://schemas.microsoft.com/office/drawing/2016/SVG/main" r:embed="rId13"/>
+                </a:ext>
+              </a:extLst>
+            </a:blip>
+            <a:stretch>
+              <a:fillRect/>
+            </a:stretch>
+          </p:blipFill>
+          <p:spPr>
+            <a:xfrm>
+              <a:off x="4787457" y="1600026"/>
+              <a:ext cx="2005493" cy="2005493"/>
+            </a:xfrm>
+            <a:prstGeom prst="rect">
+              <a:avLst/>
+            </a:prstGeom>
+          </p:spPr>
+        </p:pic>
+      </p:grpSp>
+      <p:grpSp>
+        <p:nvGrpSpPr>
+          <p:cNvPr id="42" name="Group 41">
             <a:extLst>
               <a:ext uri="{FF2B5EF4-FFF2-40B4-BE49-F238E27FC236}">
-                <a16:creationId xmlns:a16="http://schemas.microsoft.com/office/drawing/2014/main" id="{F81C86F1-4D40-4DFF-A700-F57102620A93}"/>
+                <a16:creationId xmlns:a16="http://schemas.microsoft.com/office/drawing/2014/main" id="{85BAC970-8E2B-4238-91A8-AD892A75B9A3}"/>
               </a:ext>
             </a:extLst>
           </p:cNvPr>
-          <p:cNvPicPr>
-            <a:picLocks noChangeAspect="1"/>
-          </p:cNvPicPr>
+          <p:cNvGrpSpPr/>
           <p:nvPr/>
-        </p:nvPicPr>
-        <p:blipFill>
-          <a:blip r:embed="rId11">
-            <a:extLst>
-              <a:ext uri="{28A0092B-C50C-407E-A947-70E740481C1C}">
-                <a14:useLocalDpi xmlns:a14="http://schemas.microsoft.com/office/drawing/2010/main" val="0"/>
-              </a:ext>
-              <a:ext uri="{96DAC541-7B7A-43D3-8B79-37D633B846F1}">
-                <asvg:svgBlip xmlns:asvg="http://schemas.microsoft.com/office/drawing/2016/SVG/main" r:embed="rId12"/>
-              </a:ext>
-            </a:extLst>
-          </a:blip>
-          <a:stretch>
-            <a:fillRect/>
-          </a:stretch>
-        </p:blipFill>
-        <p:spPr>
+        </p:nvGrpSpPr>
+        <p:grpSpPr>
           <a:xfrm>
-            <a:off x="2082243" y="1559208"/>
-            <a:ext cx="2005493" cy="2005493"/>
+            <a:off x="932979" y="5366896"/>
+            <a:ext cx="1847823" cy="1501703"/>
+            <a:chOff x="2379057" y="341859"/>
+            <a:chExt cx="3810867" cy="3097044"/>
           </a:xfrm>
-          <a:prstGeom prst="rect">
-            <a:avLst/>
-          </a:prstGeom>
-        </p:spPr>
-      </p:pic>
-      <p:pic>
-        <p:nvPicPr>
-          <p:cNvPr id="86" name="Graphic 85" descr="Arrow circle">
-            <a:extLst>
-              <a:ext uri="{FF2B5EF4-FFF2-40B4-BE49-F238E27FC236}">
-                <a16:creationId xmlns:a16="http://schemas.microsoft.com/office/drawing/2014/main" id="{ECC5BF05-6B38-451B-A3B5-FD0CBAAD7DEA}"/>
-              </a:ext>
-            </a:extLst>
-          </p:cNvPr>
-          <p:cNvPicPr>
-            <a:picLocks noChangeAspect="1"/>
-          </p:cNvPicPr>
-          <p:nvPr/>
-        </p:nvPicPr>
-        <p:blipFill>
-          <a:blip r:embed="rId11">
-            <a:extLst>
-              <a:ext uri="{28A0092B-C50C-407E-A947-70E740481C1C}">
-                <a14:useLocalDpi xmlns:a14="http://schemas.microsoft.com/office/drawing/2010/main" val="0"/>
-              </a:ext>
-              <a:ext uri="{96DAC541-7B7A-43D3-8B79-37D633B846F1}">
-                <asvg:svgBlip xmlns:asvg="http://schemas.microsoft.com/office/drawing/2016/SVG/main" r:embed="rId13"/>
-              </a:ext>
-            </a:extLst>
-          </a:blip>
-          <a:stretch>
-            <a:fillRect/>
-          </a:stretch>
-        </p:blipFill>
-        <p:spPr>
-          <a:xfrm>
-            <a:off x="4787457" y="1600026"/>
-            <a:ext cx="2005493" cy="2005493"/>
-          </a:xfrm>
-          <a:prstGeom prst="rect">
-            <a:avLst/>
-          </a:prstGeom>
-        </p:spPr>
-      </p:pic>
+        </p:grpSpPr>
+        <p:sp>
+          <p:nvSpPr>
+            <p:cNvPr id="43" name="Rectangle: Rounded Corners 42">
+              <a:extLst>
+                <a:ext uri="{FF2B5EF4-FFF2-40B4-BE49-F238E27FC236}">
+                  <a16:creationId xmlns:a16="http://schemas.microsoft.com/office/drawing/2014/main" id="{B5CFE8FF-CF16-4DD9-90D9-7F33EC6217FC}"/>
+                </a:ext>
+              </a:extLst>
+            </p:cNvPr>
+            <p:cNvSpPr/>
+            <p:nvPr/>
+          </p:nvSpPr>
+          <p:spPr>
+            <a:xfrm>
+              <a:off x="2379057" y="341859"/>
+              <a:ext cx="3810867" cy="3097044"/>
+            </a:xfrm>
+            <a:prstGeom prst="roundRect">
+              <a:avLst/>
+            </a:prstGeom>
+            <a:solidFill>
+              <a:schemeClr val="accent4">
+                <a:alpha val="33000"/>
+              </a:schemeClr>
+            </a:solidFill>
+          </p:spPr>
+          <p:style>
+            <a:lnRef idx="2">
+              <a:schemeClr val="accent4">
+                <a:shade val="50000"/>
+              </a:schemeClr>
+            </a:lnRef>
+            <a:fillRef idx="1">
+              <a:schemeClr val="accent4"/>
+            </a:fillRef>
+            <a:effectRef idx="0">
+              <a:schemeClr val="accent4"/>
+            </a:effectRef>
+            <a:fontRef idx="minor">
+              <a:schemeClr val="lt1"/>
+            </a:fontRef>
+          </p:style>
+          <p:txBody>
+            <a:bodyPr rtlCol="0" anchor="ctr"/>
+            <a:lstStyle/>
+            <a:p>
+              <a:pPr algn="ctr"/>
+              <a:endParaRPr lang="en-US" dirty="0"/>
+            </a:p>
+          </p:txBody>
+        </p:sp>
+        <p:sp>
+          <p:nvSpPr>
+            <p:cNvPr id="44" name="Rectangle: Rounded Corners 43">
+              <a:extLst>
+                <a:ext uri="{FF2B5EF4-FFF2-40B4-BE49-F238E27FC236}">
+                  <a16:creationId xmlns:a16="http://schemas.microsoft.com/office/drawing/2014/main" id="{E2EB438C-5468-414F-883B-F0CB866180E6}"/>
+                </a:ext>
+              </a:extLst>
+            </p:cNvPr>
+            <p:cNvSpPr/>
+            <p:nvPr/>
+          </p:nvSpPr>
+          <p:spPr>
+            <a:xfrm>
+              <a:off x="2842631" y="911743"/>
+              <a:ext cx="2821451" cy="2380442"/>
+            </a:xfrm>
+            <a:prstGeom prst="roundRect">
+              <a:avLst/>
+            </a:prstGeom>
+            <a:solidFill>
+              <a:schemeClr val="accent4">
+                <a:alpha val="33000"/>
+              </a:schemeClr>
+            </a:solidFill>
+          </p:spPr>
+          <p:style>
+            <a:lnRef idx="2">
+              <a:schemeClr val="accent4">
+                <a:shade val="50000"/>
+              </a:schemeClr>
+            </a:lnRef>
+            <a:fillRef idx="1">
+              <a:schemeClr val="accent4"/>
+            </a:fillRef>
+            <a:effectRef idx="0">
+              <a:schemeClr val="accent4"/>
+            </a:effectRef>
+            <a:fontRef idx="minor">
+              <a:schemeClr val="lt1"/>
+            </a:fontRef>
+          </p:style>
+          <p:txBody>
+            <a:bodyPr rtlCol="0" anchor="ctr"/>
+            <a:lstStyle/>
+            <a:p>
+              <a:pPr algn="ctr"/>
+              <a:endParaRPr lang="en-US" dirty="0"/>
+            </a:p>
+          </p:txBody>
+        </p:sp>
+        <p:sp>
+          <p:nvSpPr>
+            <p:cNvPr id="45" name="Rectangle: Rounded Corners 44">
+              <a:extLst>
+                <a:ext uri="{FF2B5EF4-FFF2-40B4-BE49-F238E27FC236}">
+                  <a16:creationId xmlns:a16="http://schemas.microsoft.com/office/drawing/2014/main" id="{B647DC5F-8DFA-444C-9896-7A408D2F52D0}"/>
+                </a:ext>
+              </a:extLst>
+            </p:cNvPr>
+            <p:cNvSpPr/>
+            <p:nvPr/>
+          </p:nvSpPr>
+          <p:spPr>
+            <a:xfrm>
+              <a:off x="3225311" y="1473662"/>
+              <a:ext cx="2118360" cy="1714500"/>
+            </a:xfrm>
+            <a:prstGeom prst="roundRect">
+              <a:avLst/>
+            </a:prstGeom>
+            <a:solidFill>
+              <a:schemeClr val="accent4">
+                <a:alpha val="33000"/>
+              </a:schemeClr>
+            </a:solidFill>
+          </p:spPr>
+          <p:style>
+            <a:lnRef idx="2">
+              <a:schemeClr val="accent4">
+                <a:shade val="50000"/>
+              </a:schemeClr>
+            </a:lnRef>
+            <a:fillRef idx="1">
+              <a:schemeClr val="accent4"/>
+            </a:fillRef>
+            <a:effectRef idx="0">
+              <a:schemeClr val="accent4"/>
+            </a:effectRef>
+            <a:fontRef idx="minor">
+              <a:schemeClr val="lt1"/>
+            </a:fontRef>
+          </p:style>
+          <p:txBody>
+            <a:bodyPr rtlCol="0" anchor="ctr"/>
+            <a:lstStyle/>
+            <a:p>
+              <a:pPr algn="ctr"/>
+              <a:endParaRPr lang="en-US" dirty="0"/>
+            </a:p>
+          </p:txBody>
+        </p:sp>
+        <p:sp>
+          <p:nvSpPr>
+            <p:cNvPr id="46" name="Rectangle: Rounded Corners 45">
+              <a:extLst>
+                <a:ext uri="{FF2B5EF4-FFF2-40B4-BE49-F238E27FC236}">
+                  <a16:creationId xmlns:a16="http://schemas.microsoft.com/office/drawing/2014/main" id="{3D897CA6-3481-4441-AD7F-7E843A412CB9}"/>
+                </a:ext>
+              </a:extLst>
+            </p:cNvPr>
+            <p:cNvSpPr/>
+            <p:nvPr/>
+          </p:nvSpPr>
+          <p:spPr>
+            <a:xfrm>
+              <a:off x="3374397" y="1744131"/>
+              <a:ext cx="1776723" cy="1334349"/>
+            </a:xfrm>
+            <a:prstGeom prst="roundRect">
+              <a:avLst/>
+            </a:prstGeom>
+            <a:solidFill>
+              <a:schemeClr val="accent4">
+                <a:alpha val="33000"/>
+              </a:schemeClr>
+            </a:solidFill>
+          </p:spPr>
+          <p:style>
+            <a:lnRef idx="2">
+              <a:schemeClr val="accent4">
+                <a:shade val="50000"/>
+              </a:schemeClr>
+            </a:lnRef>
+            <a:fillRef idx="1">
+              <a:schemeClr val="accent4"/>
+            </a:fillRef>
+            <a:effectRef idx="0">
+              <a:schemeClr val="accent4"/>
+            </a:effectRef>
+            <a:fontRef idx="minor">
+              <a:schemeClr val="lt1"/>
+            </a:fontRef>
+          </p:style>
+          <p:txBody>
+            <a:bodyPr rtlCol="0" anchor="ctr"/>
+            <a:lstStyle/>
+            <a:p>
+              <a:pPr algn="ctr"/>
+              <a:endParaRPr lang="en-US" dirty="0"/>
+            </a:p>
+          </p:txBody>
+        </p:sp>
+        <p:sp>
+          <p:nvSpPr>
+            <p:cNvPr id="50" name="Rectangle: Rounded Corners 49">
+              <a:extLst>
+                <a:ext uri="{FF2B5EF4-FFF2-40B4-BE49-F238E27FC236}">
+                  <a16:creationId xmlns:a16="http://schemas.microsoft.com/office/drawing/2014/main" id="{105DA74E-1438-475D-A25B-7149062C0C17}"/>
+                </a:ext>
+              </a:extLst>
+            </p:cNvPr>
+            <p:cNvSpPr/>
+            <p:nvPr/>
+          </p:nvSpPr>
+          <p:spPr>
+            <a:xfrm>
+              <a:off x="3477515" y="1950644"/>
+              <a:ext cx="1551685" cy="1053509"/>
+            </a:xfrm>
+            <a:prstGeom prst="roundRect">
+              <a:avLst/>
+            </a:prstGeom>
+            <a:solidFill>
+              <a:schemeClr val="accent4">
+                <a:alpha val="33000"/>
+              </a:schemeClr>
+            </a:solidFill>
+          </p:spPr>
+          <p:style>
+            <a:lnRef idx="2">
+              <a:schemeClr val="accent4">
+                <a:shade val="50000"/>
+              </a:schemeClr>
+            </a:lnRef>
+            <a:fillRef idx="1">
+              <a:schemeClr val="accent4"/>
+            </a:fillRef>
+            <a:effectRef idx="0">
+              <a:schemeClr val="accent4"/>
+            </a:effectRef>
+            <a:fontRef idx="minor">
+              <a:schemeClr val="lt1"/>
+            </a:fontRef>
+          </p:style>
+          <p:txBody>
+            <a:bodyPr rtlCol="0" anchor="ctr"/>
+            <a:lstStyle/>
+            <a:p>
+              <a:pPr algn="ctr"/>
+              <a:endParaRPr lang="en-US" dirty="0"/>
+            </a:p>
+          </p:txBody>
+        </p:sp>
+      </p:grpSp>
     </p:spTree>
     <p:extLst>
       <p:ext uri="{BB962C8B-B14F-4D97-AF65-F5344CB8AC3E}">
@@ -29449,6 +30896,266 @@
   <p:clrMapOvr>
     <a:masterClrMapping/>
   </p:clrMapOvr>
+  <p:timing>
+    <p:tnLst>
+      <p:par>
+        <p:cTn id="1" dur="indefinite" restart="never" nodeType="tmRoot">
+          <p:childTnLst>
+            <p:seq concurrent="1" nextAc="seek">
+              <p:cTn id="2" dur="indefinite" nodeType="mainSeq">
+                <p:childTnLst>
+                  <p:par>
+                    <p:cTn id="3" fill="hold">
+                      <p:stCondLst>
+                        <p:cond delay="indefinite"/>
+                      </p:stCondLst>
+                      <p:childTnLst>
+                        <p:par>
+                          <p:cTn id="4" fill="hold">
+                            <p:stCondLst>
+                              <p:cond delay="0"/>
+                            </p:stCondLst>
+                            <p:childTnLst>
+                              <p:par>
+                                <p:cTn id="5" presetID="21" presetClass="entr" presetSubtype="1" fill="hold" nodeType="clickEffect">
+                                  <p:stCondLst>
+                                    <p:cond delay="0"/>
+                                  </p:stCondLst>
+                                  <p:childTnLst>
+                                    <p:set>
+                                      <p:cBhvr>
+                                        <p:cTn id="6" dur="1" fill="hold">
+                                          <p:stCondLst>
+                                            <p:cond delay="0"/>
+                                          </p:stCondLst>
+                                        </p:cTn>
+                                        <p:tgtEl>
+                                          <p:spTgt spid="2"/>
+                                        </p:tgtEl>
+                                        <p:attrNameLst>
+                                          <p:attrName>style.visibility</p:attrName>
+                                        </p:attrNameLst>
+                                      </p:cBhvr>
+                                      <p:to>
+                                        <p:strVal val="visible"/>
+                                      </p:to>
+                                    </p:set>
+                                    <p:animEffect transition="in" filter="wheel(1)">
+                                      <p:cBhvr>
+                                        <p:cTn id="7" dur="2000"/>
+                                        <p:tgtEl>
+                                          <p:spTgt spid="2"/>
+                                        </p:tgtEl>
+                                      </p:cBhvr>
+                                    </p:animEffect>
+                                  </p:childTnLst>
+                                </p:cTn>
+                              </p:par>
+                            </p:childTnLst>
+                          </p:cTn>
+                        </p:par>
+                      </p:childTnLst>
+                    </p:cTn>
+                  </p:par>
+                  <p:par>
+                    <p:cTn id="8" fill="hold">
+                      <p:stCondLst>
+                        <p:cond delay="indefinite"/>
+                      </p:stCondLst>
+                      <p:childTnLst>
+                        <p:par>
+                          <p:cTn id="9" fill="hold">
+                            <p:stCondLst>
+                              <p:cond delay="0"/>
+                            </p:stCondLst>
+                            <p:childTnLst>
+                              <p:par>
+                                <p:cTn id="10" presetID="42" presetClass="path" presetSubtype="0" accel="50000" decel="50000" fill="hold" nodeType="clickEffect">
+                                  <p:stCondLst>
+                                    <p:cond delay="0"/>
+                                  </p:stCondLst>
+                                  <p:childTnLst>
+                                    <p:animMotion origin="layout" path="M 5E-6 -1.11111E-6 L 0.28698 -0.00463 " pathEditMode="relative" rAng="0" ptsTypes="AA">
+                                      <p:cBhvr>
+                                        <p:cTn id="11" dur="2000" fill="hold"/>
+                                        <p:tgtEl>
+                                          <p:spTgt spid="11"/>
+                                        </p:tgtEl>
+                                        <p:attrNameLst>
+                                          <p:attrName>ppt_x</p:attrName>
+                                          <p:attrName>ppt_y</p:attrName>
+                                        </p:attrNameLst>
+                                      </p:cBhvr>
+                                      <p:rCtr x="14340" y="-247"/>
+                                    </p:animMotion>
+                                  </p:childTnLst>
+                                </p:cTn>
+                              </p:par>
+                              <p:par>
+                                <p:cTn id="12" presetID="42" presetClass="path" presetSubtype="0" accel="50000" decel="50000" fill="hold" nodeType="withEffect">
+                                  <p:stCondLst>
+                                    <p:cond delay="600"/>
+                                  </p:stCondLst>
+                                  <p:childTnLst>
+                                    <p:animMotion origin="layout" path="M 5E-6 3.82716E-6 L 4.16667E-6 -0.70339 " pathEditMode="relative" rAng="0" ptsTypes="AA">
+                                      <p:cBhvr>
+                                        <p:cTn id="13" dur="2000" fill="hold"/>
+                                        <p:tgtEl>
+                                          <p:spTgt spid="42"/>
+                                        </p:tgtEl>
+                                        <p:attrNameLst>
+                                          <p:attrName>ppt_x</p:attrName>
+                                          <p:attrName>ppt_y</p:attrName>
+                                        </p:attrNameLst>
+                                      </p:cBhvr>
+                                      <p:rCtr x="17" y="-34907"/>
+                                    </p:animMotion>
+                                  </p:childTnLst>
+                                </p:cTn>
+                              </p:par>
+                            </p:childTnLst>
+                          </p:cTn>
+                        </p:par>
+                      </p:childTnLst>
+                    </p:cTn>
+                  </p:par>
+                  <p:par>
+                    <p:cTn id="14" fill="hold">
+                      <p:stCondLst>
+                        <p:cond delay="indefinite"/>
+                      </p:stCondLst>
+                      <p:childTnLst>
+                        <p:par>
+                          <p:cTn id="15" fill="hold">
+                            <p:stCondLst>
+                              <p:cond delay="0"/>
+                            </p:stCondLst>
+                            <p:childTnLst>
+                              <p:par>
+                                <p:cTn id="16" presetID="21" presetClass="entr" presetSubtype="1" fill="hold" nodeType="clickEffect">
+                                  <p:stCondLst>
+                                    <p:cond delay="0"/>
+                                  </p:stCondLst>
+                                  <p:childTnLst>
+                                    <p:set>
+                                      <p:cBhvr>
+                                        <p:cTn id="17" dur="1" fill="hold">
+                                          <p:stCondLst>
+                                            <p:cond delay="0"/>
+                                          </p:stCondLst>
+                                        </p:cTn>
+                                        <p:tgtEl>
+                                          <p:spTgt spid="8"/>
+                                        </p:tgtEl>
+                                        <p:attrNameLst>
+                                          <p:attrName>style.visibility</p:attrName>
+                                        </p:attrNameLst>
+                                      </p:cBhvr>
+                                      <p:to>
+                                        <p:strVal val="visible"/>
+                                      </p:to>
+                                    </p:set>
+                                    <p:animEffect transition="in" filter="wheel(1)">
+                                      <p:cBhvr>
+                                        <p:cTn id="18" dur="2000"/>
+                                        <p:tgtEl>
+                                          <p:spTgt spid="8"/>
+                                        </p:tgtEl>
+                                      </p:cBhvr>
+                                    </p:animEffect>
+                                  </p:childTnLst>
+                                </p:cTn>
+                              </p:par>
+                            </p:childTnLst>
+                          </p:cTn>
+                        </p:par>
+                      </p:childTnLst>
+                    </p:cTn>
+                  </p:par>
+                  <p:par>
+                    <p:cTn id="19" fill="hold">
+                      <p:stCondLst>
+                        <p:cond delay="indefinite"/>
+                      </p:stCondLst>
+                      <p:childTnLst>
+                        <p:par>
+                          <p:cTn id="20" fill="hold">
+                            <p:stCondLst>
+                              <p:cond delay="0"/>
+                            </p:stCondLst>
+                            <p:childTnLst>
+                              <p:par>
+                                <p:cTn id="21" presetID="42" presetClass="path" presetSubtype="0" accel="50000" decel="50000" fill="hold" nodeType="clickEffect">
+                                  <p:stCondLst>
+                                    <p:cond delay="0"/>
+                                  </p:stCondLst>
+                                  <p:childTnLst>
+                                    <p:animMotion origin="layout" path="M 0.28698 -0.00463 L 0.58525 -0.01018 " pathEditMode="relative" rAng="0" ptsTypes="AA">
+                                      <p:cBhvr>
+                                        <p:cTn id="22" dur="2000" fill="hold"/>
+                                        <p:tgtEl>
+                                          <p:spTgt spid="11"/>
+                                        </p:tgtEl>
+                                        <p:attrNameLst>
+                                          <p:attrName>ppt_x</p:attrName>
+                                          <p:attrName>ppt_y</p:attrName>
+                                        </p:attrNameLst>
+                                      </p:cBhvr>
+                                      <p:rCtr x="14913" y="-278"/>
+                                    </p:animMotion>
+                                  </p:childTnLst>
+                                </p:cTn>
+                              </p:par>
+                              <p:par>
+                                <p:cTn id="23" presetID="42" presetClass="path" presetSubtype="0" accel="50000" decel="50000" fill="hold" nodeType="withEffect">
+                                  <p:stCondLst>
+                                    <p:cond delay="800"/>
+                                  </p:stCondLst>
+                                  <p:childTnLst>
+                                    <p:animMotion origin="layout" path="M 5E-6 -0.7034 L 0.28698 -0.70802 " pathEditMode="relative" rAng="0" ptsTypes="AA">
+                                      <p:cBhvr>
+                                        <p:cTn id="24" dur="2000" fill="hold"/>
+                                        <p:tgtEl>
+                                          <p:spTgt spid="42"/>
+                                        </p:tgtEl>
+                                        <p:attrNameLst>
+                                          <p:attrName>ppt_x</p:attrName>
+                                          <p:attrName>ppt_y</p:attrName>
+                                        </p:attrNameLst>
+                                      </p:cBhvr>
+                                      <p:rCtr x="14253" y="-62"/>
+                                    </p:animMotion>
+                                  </p:childTnLst>
+                                </p:cTn>
+                              </p:par>
+                            </p:childTnLst>
+                          </p:cTn>
+                        </p:par>
+                      </p:childTnLst>
+                    </p:cTn>
+                  </p:par>
+                </p:childTnLst>
+              </p:cTn>
+              <p:prevCondLst>
+                <p:cond evt="onPrev" delay="0">
+                  <p:tgtEl>
+                    <p:sldTgt/>
+                  </p:tgtEl>
+                </p:cond>
+              </p:prevCondLst>
+              <p:nextCondLst>
+                <p:cond evt="onNext" delay="0">
+                  <p:tgtEl>
+                    <p:sldTgt/>
+                  </p:tgtEl>
+                </p:cond>
+              </p:nextCondLst>
+            </p:seq>
+          </p:childTnLst>
+        </p:cTn>
+      </p:par>
+    </p:tnLst>
+  </p:timing>
 </p:sld>
 </file>
 

--- a/lecture_1_history.pptx
+++ b/lecture_1_history.pptx
@@ -226,7 +226,7 @@
           <a:p>
             <a:fld id="{3FDC14FC-A894-4869-A797-1EC82735D106}" type="datetimeFigureOut">
               <a:rPr lang="en-US" smtClean="0"/>
-              <a:t>8/3/2020</a:t>
+              <a:t>8/6/2020</a:t>
             </a:fld>
             <a:endParaRPr lang="en-US"/>
           </a:p>
@@ -391,7 +391,7 @@
           <a:p>
             <a:fld id="{B4F99C05-63F9-4248-8E20-3ACD9DF9DE7F}" type="datetimeFigureOut">
               <a:rPr lang="en-US" smtClean="0"/>
-              <a:t>8/3/2020</a:t>
+              <a:t>8/6/2020</a:t>
             </a:fld>
             <a:endParaRPr lang="en-US"/>
           </a:p>
@@ -656,6 +656,93 @@
     </a:lvl9pPr>
   </p:notesStyle>
 </p:notesMaster>
+</file>
+
+<file path=ppt/notesSlides/notesSlide1.xml><?xml version="1.0" encoding="utf-8"?>
+<p:notes xmlns:a="http://schemas.openxmlformats.org/drawingml/2006/main" xmlns:r="http://schemas.openxmlformats.org/officeDocument/2006/relationships" xmlns:p="http://schemas.openxmlformats.org/presentationml/2006/main">
+  <p:cSld>
+    <p:spTree>
+      <p:nvGrpSpPr>
+        <p:cNvPr id="1" name=""/>
+        <p:cNvGrpSpPr/>
+        <p:nvPr/>
+      </p:nvGrpSpPr>
+      <p:grpSpPr>
+        <a:xfrm>
+          <a:off x="0" y="0"/>
+          <a:ext cx="0" cy="0"/>
+          <a:chOff x="0" y="0"/>
+          <a:chExt cx="0" cy="0"/>
+        </a:xfrm>
+      </p:grpSpPr>
+      <p:sp>
+        <p:nvSpPr>
+          <p:cNvPr id="2" name="Slide Image Placeholder 1"/>
+          <p:cNvSpPr>
+            <a:spLocks noGrp="1" noRot="1" noChangeAspect="1"/>
+          </p:cNvSpPr>
+          <p:nvPr>
+            <p:ph type="sldImg"/>
+          </p:nvPr>
+        </p:nvSpPr>
+        <p:spPr/>
+      </p:sp>
+      <p:sp>
+        <p:nvSpPr>
+          <p:cNvPr id="3" name="Notes Placeholder 2"/>
+          <p:cNvSpPr>
+            <a:spLocks noGrp="1"/>
+          </p:cNvSpPr>
+          <p:nvPr>
+            <p:ph type="body" idx="1"/>
+          </p:nvPr>
+        </p:nvSpPr>
+        <p:spPr/>
+        <p:txBody>
+          <a:bodyPr/>
+          <a:lstStyle/>
+          <a:p>
+            <a:r>
+              <a:rPr lang="en-US" dirty="0"/>
+              <a:t>Give you context</a:t>
+            </a:r>
+          </a:p>
+        </p:txBody>
+      </p:sp>
+      <p:sp>
+        <p:nvSpPr>
+          <p:cNvPr id="4" name="Slide Number Placeholder 3"/>
+          <p:cNvSpPr>
+            <a:spLocks noGrp="1"/>
+          </p:cNvSpPr>
+          <p:nvPr>
+            <p:ph type="sldNum" sz="quarter" idx="5"/>
+          </p:nvPr>
+        </p:nvSpPr>
+        <p:spPr/>
+        <p:txBody>
+          <a:bodyPr/>
+          <a:lstStyle/>
+          <a:p>
+            <a:fld id="{A874FABB-6DBE-47C4-B626-20167906F475}" type="slidenum">
+              <a:rPr lang="en-US" smtClean="0"/>
+              <a:t>3</a:t>
+            </a:fld>
+            <a:endParaRPr lang="en-US"/>
+          </a:p>
+        </p:txBody>
+      </p:sp>
+    </p:spTree>
+    <p:extLst>
+      <p:ext uri="{BB962C8B-B14F-4D97-AF65-F5344CB8AC3E}">
+        <p14:creationId xmlns:p14="http://schemas.microsoft.com/office/powerpoint/2010/main" val="3730065498"/>
+      </p:ext>
+    </p:extLst>
+  </p:cSld>
+  <p:clrMapOvr>
+    <a:masterClrMapping/>
+  </p:clrMapOvr>
+</p:notes>
 </file>
 
 <file path=ppt/slideLayouts/slideLayout1.xml><?xml version="1.0" encoding="utf-8"?>
@@ -9511,7 +9598,7 @@
           </a:ln>
           <a:extLst>
             <a:ext uri="{C572A759-6A51-4108-AA02-DFA0A04FC94B}">
-              <ma14:wrappingTextBoxFlag xmlns:ma14="http://schemas.microsoft.com/office/mac/drawingml/2011/main" xmlns="" val="1"/>
+              <ma14:wrappingTextBoxFlag xmlns="" xmlns:ma14="http://schemas.microsoft.com/office/mac/drawingml/2011/main" val="1"/>
             </a:ext>
           </a:extLst>
         </p:spPr>
@@ -27968,9 +28055,10 @@
           <a:lstStyle/>
           <a:p>
             <a:r>
-              <a:rPr lang="en-US" dirty="0"/>
-              <a:t>E - COMMERCE</a:t>
-            </a:r>
+              <a:rPr lang="en-US"/>
+              <a:t>MONOLITH</a:t>
+            </a:r>
+            <a:endParaRPr lang="en-US" dirty="0"/>
           </a:p>
         </p:txBody>
       </p:sp>

--- a/lecture_1_history.pptx
+++ b/lecture_1_history.pptx
@@ -226,7 +226,7 @@
           <a:p>
             <a:fld id="{3FDC14FC-A894-4869-A797-1EC82735D106}" type="datetimeFigureOut">
               <a:rPr lang="en-US" smtClean="0"/>
-              <a:t>8/6/2020</a:t>
+              <a:t>8/24/2020</a:t>
             </a:fld>
             <a:endParaRPr lang="en-US"/>
           </a:p>
@@ -391,7 +391,7 @@
           <a:p>
             <a:fld id="{B4F99C05-63F9-4248-8E20-3ACD9DF9DE7F}" type="datetimeFigureOut">
               <a:rPr lang="en-US" smtClean="0"/>
-              <a:t>8/6/2020</a:t>
+              <a:t>8/24/2020</a:t>
             </a:fld>
             <a:endParaRPr lang="en-US"/>
           </a:p>
